--- a/Fannie Mae.pptx
+++ b/Fannie Mae.pptx
@@ -5,20 +5,19 @@
     <p:sldMasterId id="2147483746" r:id="rId4"/>
   </p:sldMasterIdLst>
   <p:notesMasterIdLst>
-    <p:notesMasterId r:id="rId16"/>
+    <p:notesMasterId r:id="rId15"/>
   </p:notesMasterIdLst>
   <p:sldIdLst>
     <p:sldId id="257" r:id="rId5"/>
     <p:sldId id="256" r:id="rId6"/>
-    <p:sldId id="259" r:id="rId7"/>
-    <p:sldId id="260" r:id="rId8"/>
-    <p:sldId id="265" r:id="rId9"/>
-    <p:sldId id="261" r:id="rId10"/>
-    <p:sldId id="262" r:id="rId11"/>
-    <p:sldId id="264" r:id="rId12"/>
-    <p:sldId id="266" r:id="rId13"/>
-    <p:sldId id="267" r:id="rId14"/>
-    <p:sldId id="258" r:id="rId15"/>
+    <p:sldId id="260" r:id="rId7"/>
+    <p:sldId id="265" r:id="rId8"/>
+    <p:sldId id="261" r:id="rId9"/>
+    <p:sldId id="262" r:id="rId10"/>
+    <p:sldId id="264" r:id="rId11"/>
+    <p:sldId id="266" r:id="rId12"/>
+    <p:sldId id="267" r:id="rId13"/>
+    <p:sldId id="258" r:id="rId14"/>
   </p:sldIdLst>
   <p:sldSz cx="12192000" cy="6858000"/>
   <p:notesSz cx="6858000" cy="9144000"/>
@@ -5101,6 +5100,2242 @@
 </file>
 
 <file path=ppt/slides/slide10.xml><?xml version="1.0" encoding="utf-8"?>
+<p:sld xmlns:a="http://schemas.openxmlformats.org/drawingml/2006/main" xmlns:r="http://schemas.openxmlformats.org/officeDocument/2006/relationships" xmlns:p="http://schemas.openxmlformats.org/presentationml/2006/main">
+  <p:cSld>
+    <p:bg>
+      <p:bgPr>
+        <a:solidFill>
+          <a:schemeClr val="bg1"/>
+        </a:solidFill>
+        <a:effectLst/>
+      </p:bgPr>
+    </p:bg>
+    <p:spTree>
+      <p:nvGrpSpPr>
+        <p:cNvPr id="1" name=""/>
+        <p:cNvGrpSpPr/>
+        <p:nvPr/>
+      </p:nvGrpSpPr>
+      <p:grpSpPr>
+        <a:xfrm>
+          <a:off x="0" y="0"/>
+          <a:ext cx="0" cy="0"/>
+          <a:chOff x="0" y="0"/>
+          <a:chExt cx="0" cy="0"/>
+        </a:xfrm>
+      </p:grpSpPr>
+      <p:sp>
+        <p:nvSpPr>
+          <p:cNvPr id="47" name="Rectangle 46">
+            <a:extLst>
+              <a:ext uri="{FF2B5EF4-FFF2-40B4-BE49-F238E27FC236}">
+                <a16:creationId xmlns:a16="http://schemas.microsoft.com/office/drawing/2014/main" id="{FBDCECDC-EEE3-4128-AA5E-82A8C08796E8}"/>
+              </a:ext>
+              <a:ext uri="{C183D7F6-B498-43B3-948B-1728B52AA6E4}">
+                <adec:decorative xmlns:adec="http://schemas.microsoft.com/office/drawing/2017/decorative" val="1"/>
+              </a:ext>
+            </a:extLst>
+          </p:cNvPr>
+          <p:cNvSpPr>
+            <a:spLocks noGrp="1" noRot="1" noChangeAspect="1" noMove="1" noResize="1" noEditPoints="1" noAdjustHandles="1" noChangeArrowheads="1" noChangeShapeType="1" noTextEdit="1"/>
+          </p:cNvSpPr>
+          <p:nvPr>
+            <p:extLst>
+              <p:ext uri="{386F3935-93C4-4BCD-93E2-E3B085C9AB24}">
+                <p16:designElem xmlns:p16="http://schemas.microsoft.com/office/powerpoint/2015/main" val="1"/>
+              </p:ext>
+            </p:extLst>
+          </p:nvPr>
+        </p:nvSpPr>
+        <p:spPr>
+          <a:xfrm>
+            <a:off x="1507" y="0"/>
+            <a:ext cx="12192000" cy="6858000"/>
+          </a:xfrm>
+          <a:prstGeom prst="rect">
+            <a:avLst/>
+          </a:prstGeom>
+          <a:solidFill>
+            <a:schemeClr val="accent1"/>
+          </a:solidFill>
+          <a:ln>
+            <a:noFill/>
+          </a:ln>
+        </p:spPr>
+        <p:style>
+          <a:lnRef idx="2">
+            <a:schemeClr val="accent1">
+              <a:shade val="50000"/>
+            </a:schemeClr>
+          </a:lnRef>
+          <a:fillRef idx="1">
+            <a:schemeClr val="accent1"/>
+          </a:fillRef>
+          <a:effectRef idx="0">
+            <a:schemeClr val="accent1"/>
+          </a:effectRef>
+          <a:fontRef idx="minor">
+            <a:schemeClr val="lt1"/>
+          </a:fontRef>
+        </p:style>
+        <p:txBody>
+          <a:bodyPr rtlCol="0" anchor="ctr"/>
+          <a:lstStyle/>
+          <a:p>
+            <a:pPr algn="ctr"/>
+            <a:endParaRPr lang="en-US"/>
+          </a:p>
+        </p:txBody>
+      </p:sp>
+      <p:sp>
+        <p:nvSpPr>
+          <p:cNvPr id="49" name="Rectangle 48">
+            <a:extLst>
+              <a:ext uri="{FF2B5EF4-FFF2-40B4-BE49-F238E27FC236}">
+                <a16:creationId xmlns:a16="http://schemas.microsoft.com/office/drawing/2014/main" id="{4260EDE0-989C-4E16-AF94-F652294D828E}"/>
+              </a:ext>
+              <a:ext uri="{C183D7F6-B498-43B3-948B-1728B52AA6E4}">
+                <adec:decorative xmlns:adec="http://schemas.microsoft.com/office/drawing/2017/decorative" val="1"/>
+              </a:ext>
+            </a:extLst>
+          </p:cNvPr>
+          <p:cNvSpPr>
+            <a:spLocks noGrp="1" noRot="1" noChangeAspect="1" noMove="1" noResize="1" noEditPoints="1" noAdjustHandles="1" noChangeArrowheads="1" noChangeShapeType="1" noTextEdit="1"/>
+          </p:cNvSpPr>
+          <p:nvPr>
+            <p:extLst>
+              <p:ext uri="{386F3935-93C4-4BCD-93E2-E3B085C9AB24}">
+                <p16:designElem xmlns:p16="http://schemas.microsoft.com/office/powerpoint/2015/main" val="1"/>
+              </p:ext>
+            </p:extLst>
+          </p:nvPr>
+        </p:nvSpPr>
+        <p:spPr bwMode="white">
+          <a:xfrm>
+            <a:off x="1507" y="4953000"/>
+            <a:ext cx="12188952" cy="1905000"/>
+          </a:xfrm>
+          <a:prstGeom prst="rect">
+            <a:avLst/>
+          </a:prstGeom>
+          <a:solidFill>
+            <a:srgbClr val="262626"/>
+          </a:solidFill>
+          <a:ln>
+            <a:noFill/>
+          </a:ln>
+        </p:spPr>
+        <p:style>
+          <a:lnRef idx="2">
+            <a:schemeClr val="accent1">
+              <a:shade val="50000"/>
+            </a:schemeClr>
+          </a:lnRef>
+          <a:fillRef idx="1">
+            <a:schemeClr val="accent1"/>
+          </a:fillRef>
+          <a:effectRef idx="0">
+            <a:schemeClr val="accent1"/>
+          </a:effectRef>
+          <a:fontRef idx="minor">
+            <a:schemeClr val="lt1"/>
+          </a:fontRef>
+        </p:style>
+        <p:txBody>
+          <a:bodyPr/>
+          <a:lstStyle/>
+          <a:p>
+            <a:endParaRPr lang="en-US"/>
+          </a:p>
+        </p:txBody>
+      </p:sp>
+      <p:sp>
+        <p:nvSpPr>
+          <p:cNvPr id="3" name="Subtitle 2">
+            <a:extLst>
+              <a:ext uri="{FF2B5EF4-FFF2-40B4-BE49-F238E27FC236}">
+                <a16:creationId xmlns:a16="http://schemas.microsoft.com/office/drawing/2014/main" id="{255E1F2F-E259-4EA8-9FFD-3A10AF541859}"/>
+              </a:ext>
+            </a:extLst>
+          </p:cNvPr>
+          <p:cNvSpPr>
+            <a:spLocks noGrp="1"/>
+          </p:cNvSpPr>
+          <p:nvPr>
+            <p:ph type="subTitle" idx="1"/>
+          </p:nvPr>
+        </p:nvSpPr>
+        <p:spPr>
+          <a:xfrm>
+            <a:off x="1100051" y="5225240"/>
+            <a:ext cx="10058400" cy="1143000"/>
+          </a:xfrm>
+        </p:spPr>
+        <p:txBody>
+          <a:bodyPr>
+            <a:normAutofit/>
+          </a:bodyPr>
+          <a:lstStyle/>
+          <a:p>
+            <a:r>
+              <a:rPr lang="en-US" dirty="0">
+                <a:solidFill>
+                  <a:srgbClr val="FFFFFF"/>
+                </a:solidFill>
+              </a:rPr>
+              <a:t>- Manjula </a:t>
+            </a:r>
+          </a:p>
+          <a:p>
+            <a:r>
+              <a:rPr lang="en-US" sz="800" cap="none" dirty="0">
+                <a:solidFill>
+                  <a:srgbClr val="FFFFFF"/>
+                </a:solidFill>
+                <a:latin typeface="Arial" panose="020B0604020202020204" pitchFamily="34" charset="0"/>
+                <a:cs typeface="Arial" panose="020B0604020202020204" pitchFamily="34" charset="0"/>
+              </a:rPr>
+              <a:t>data is sourced from </a:t>
+            </a:r>
+            <a:r>
+              <a:rPr lang="en-US" sz="800" cap="none" dirty="0" err="1">
+                <a:solidFill>
+                  <a:srgbClr val="FFFFFF"/>
+                </a:solidFill>
+                <a:latin typeface="Arial" panose="020B0604020202020204" pitchFamily="34" charset="0"/>
+                <a:cs typeface="Arial" panose="020B0604020202020204" pitchFamily="34" charset="0"/>
+              </a:rPr>
+              <a:t>fnma</a:t>
+            </a:r>
+            <a:r>
+              <a:rPr lang="en-US" sz="800" cap="none" dirty="0">
+                <a:solidFill>
+                  <a:srgbClr val="FFFFFF"/>
+                </a:solidFill>
+                <a:latin typeface="Arial" panose="020B0604020202020204" pitchFamily="34" charset="0"/>
+                <a:cs typeface="Arial" panose="020B0604020202020204" pitchFamily="34" charset="0"/>
+              </a:rPr>
+              <a:t> website</a:t>
+            </a:r>
+          </a:p>
+        </p:txBody>
+      </p:sp>
+      <p:sp>
+        <p:nvSpPr>
+          <p:cNvPr id="7" name="Title 6">
+            <a:extLst>
+              <a:ext uri="{FF2B5EF4-FFF2-40B4-BE49-F238E27FC236}">
+                <a16:creationId xmlns:a16="http://schemas.microsoft.com/office/drawing/2014/main" id="{F522D655-7669-95CD-561C-FA924DEDB069}"/>
+              </a:ext>
+            </a:extLst>
+          </p:cNvPr>
+          <p:cNvSpPr>
+            <a:spLocks noGrp="1"/>
+          </p:cNvSpPr>
+          <p:nvPr>
+            <p:ph type="ctrTitle"/>
+          </p:nvPr>
+        </p:nvSpPr>
+        <p:spPr/>
+        <p:txBody>
+          <a:bodyPr/>
+          <a:lstStyle/>
+          <a:p>
+            <a:r>
+              <a:rPr lang="en-US" dirty="0"/>
+              <a:t>Thank you </a:t>
+            </a:r>
+          </a:p>
+        </p:txBody>
+      </p:sp>
+    </p:spTree>
+    <p:extLst>
+      <p:ext uri="{BB962C8B-B14F-4D97-AF65-F5344CB8AC3E}">
+        <p14:creationId xmlns:p14="http://schemas.microsoft.com/office/powerpoint/2010/main" val="191714609"/>
+      </p:ext>
+    </p:extLst>
+  </p:cSld>
+  <p:clrMapOvr>
+    <a:masterClrMapping/>
+  </p:clrMapOvr>
+</p:sld>
+</file>
+
+<file path=ppt/slides/slide2.xml><?xml version="1.0" encoding="utf-8"?>
+<p:sld xmlns:a="http://schemas.openxmlformats.org/drawingml/2006/main" xmlns:r="http://schemas.openxmlformats.org/officeDocument/2006/relationships" xmlns:p="http://schemas.openxmlformats.org/presentationml/2006/main" showMasterSp="0">
+  <p:cSld>
+    <p:spTree>
+      <p:nvGrpSpPr>
+        <p:cNvPr id="1" name="Shape 19"/>
+        <p:cNvGrpSpPr/>
+        <p:nvPr/>
+      </p:nvGrpSpPr>
+      <p:grpSpPr>
+        <a:xfrm>
+          <a:off x="0" y="0"/>
+          <a:ext cx="0" cy="0"/>
+          <a:chOff x="0" y="0"/>
+          <a:chExt cx="0" cy="0"/>
+        </a:xfrm>
+      </p:grpSpPr>
+      <p:sp>
+        <p:nvSpPr>
+          <p:cNvPr id="20" name="Google Shape;20;p1"/>
+          <p:cNvSpPr/>
+          <p:nvPr/>
+        </p:nvSpPr>
+        <p:spPr>
+          <a:xfrm>
+            <a:off x="1251507" y="1295726"/>
+            <a:ext cx="4790223" cy="4961352"/>
+          </a:xfrm>
+          <a:prstGeom prst="rect">
+            <a:avLst/>
+          </a:prstGeom>
+          <a:solidFill>
+            <a:schemeClr val="lt1"/>
+          </a:solidFill>
+          <a:ln w="19050" cap="flat" cmpd="sng">
+            <a:solidFill>
+              <a:schemeClr val="accent5"/>
+            </a:solidFill>
+            <a:prstDash val="solid"/>
+            <a:miter lim="800000"/>
+            <a:headEnd type="none" w="sm" len="sm"/>
+            <a:tailEnd type="none" w="sm" len="sm"/>
+          </a:ln>
+        </p:spPr>
+        <p:txBody>
+          <a:bodyPr spcFirstLastPara="1" wrap="square" lIns="91425" tIns="45700" rIns="91425" bIns="45700" anchor="ctr" anchorCtr="0">
+            <a:noAutofit/>
+          </a:bodyPr>
+          <a:lstStyle/>
+          <a:p>
+            <a:pPr>
+              <a:buClr>
+                <a:srgbClr val="000000"/>
+              </a:buClr>
+              <a:buSzPts val="1428"/>
+            </a:pPr>
+            <a:endParaRPr sz="1428">
+              <a:solidFill>
+                <a:srgbClr val="000000"/>
+              </a:solidFill>
+              <a:latin typeface="Arial"/>
+              <a:ea typeface="Arial"/>
+              <a:cs typeface="Arial"/>
+              <a:sym typeface="Arial"/>
+            </a:endParaRPr>
+          </a:p>
+        </p:txBody>
+      </p:sp>
+      <p:sp>
+        <p:nvSpPr>
+          <p:cNvPr id="21" name="Google Shape;21;p1"/>
+          <p:cNvSpPr/>
+          <p:nvPr/>
+        </p:nvSpPr>
+        <p:spPr>
+          <a:xfrm>
+            <a:off x="6111388" y="1295726"/>
+            <a:ext cx="4413504" cy="4961352"/>
+          </a:xfrm>
+          <a:prstGeom prst="rect">
+            <a:avLst/>
+          </a:prstGeom>
+          <a:solidFill>
+            <a:schemeClr val="lt1"/>
+          </a:solidFill>
+          <a:ln w="19050" cap="flat" cmpd="sng">
+            <a:solidFill>
+              <a:schemeClr val="accent5"/>
+            </a:solidFill>
+            <a:prstDash val="solid"/>
+            <a:miter lim="800000"/>
+            <a:headEnd type="none" w="sm" len="sm"/>
+            <a:tailEnd type="none" w="sm" len="sm"/>
+          </a:ln>
+        </p:spPr>
+        <p:txBody>
+          <a:bodyPr spcFirstLastPara="1" wrap="square" lIns="91425" tIns="45700" rIns="91425" bIns="45700" anchor="ctr" anchorCtr="0">
+            <a:noAutofit/>
+          </a:bodyPr>
+          <a:lstStyle/>
+          <a:p>
+            <a:pPr>
+              <a:buClr>
+                <a:srgbClr val="000000"/>
+              </a:buClr>
+              <a:buSzPts val="1428"/>
+            </a:pPr>
+            <a:endParaRPr sz="1428">
+              <a:solidFill>
+                <a:srgbClr val="000000"/>
+              </a:solidFill>
+              <a:latin typeface="Arial"/>
+              <a:ea typeface="Arial"/>
+              <a:cs typeface="Arial"/>
+              <a:sym typeface="Arial"/>
+            </a:endParaRPr>
+          </a:p>
+        </p:txBody>
+      </p:sp>
+      <p:sp>
+        <p:nvSpPr>
+          <p:cNvPr id="22" name="Google Shape;22;p1"/>
+          <p:cNvSpPr/>
+          <p:nvPr/>
+        </p:nvSpPr>
+        <p:spPr>
+          <a:xfrm>
+            <a:off x="1588562" y="1451878"/>
+            <a:ext cx="288315" cy="288315"/>
+          </a:xfrm>
+          <a:prstGeom prst="rect">
+            <a:avLst/>
+          </a:prstGeom>
+          <a:solidFill>
+            <a:srgbClr val="F1A205"/>
+          </a:solidFill>
+          <a:ln>
+            <a:noFill/>
+          </a:ln>
+        </p:spPr>
+        <p:txBody>
+          <a:bodyPr spcFirstLastPara="1" wrap="square" lIns="47575" tIns="47575" rIns="47575" bIns="47575" anchor="ctr" anchorCtr="0">
+            <a:noAutofit/>
+          </a:bodyPr>
+          <a:lstStyle/>
+          <a:p>
+            <a:pPr>
+              <a:buClr>
+                <a:srgbClr val="000000"/>
+              </a:buClr>
+              <a:buSzPts val="1428"/>
+            </a:pPr>
+            <a:r>
+              <a:rPr lang="en-AU" sz="1428" dirty="0">
+                <a:solidFill>
+                  <a:schemeClr val="lt1"/>
+                </a:solidFill>
+                <a:latin typeface="Arial"/>
+                <a:ea typeface="Arial"/>
+                <a:cs typeface="Arial"/>
+                <a:sym typeface="Arial"/>
+              </a:rPr>
+              <a:t>1</a:t>
+            </a:r>
+            <a:endParaRPr sz="1428" dirty="0">
+              <a:solidFill>
+                <a:schemeClr val="lt1"/>
+              </a:solidFill>
+              <a:latin typeface="Arial"/>
+              <a:ea typeface="Arial"/>
+              <a:cs typeface="Arial"/>
+              <a:sym typeface="Arial"/>
+            </a:endParaRPr>
+          </a:p>
+        </p:txBody>
+      </p:sp>
+      <p:sp>
+        <p:nvSpPr>
+          <p:cNvPr id="23" name="Google Shape;23;p1"/>
+          <p:cNvSpPr/>
+          <p:nvPr/>
+        </p:nvSpPr>
+        <p:spPr>
+          <a:xfrm>
+            <a:off x="6228001" y="1451878"/>
+            <a:ext cx="288315" cy="288315"/>
+          </a:xfrm>
+          <a:prstGeom prst="rect">
+            <a:avLst/>
+          </a:prstGeom>
+          <a:solidFill>
+            <a:srgbClr val="F1A205"/>
+          </a:solidFill>
+          <a:ln>
+            <a:noFill/>
+          </a:ln>
+        </p:spPr>
+        <p:txBody>
+          <a:bodyPr spcFirstLastPara="1" wrap="square" lIns="47575" tIns="47575" rIns="47575" bIns="47575" anchor="ctr" anchorCtr="0">
+            <a:noAutofit/>
+          </a:bodyPr>
+          <a:lstStyle/>
+          <a:p>
+            <a:pPr>
+              <a:buClr>
+                <a:srgbClr val="000000"/>
+              </a:buClr>
+              <a:buSzPts val="1428"/>
+            </a:pPr>
+            <a:r>
+              <a:rPr lang="en-AU" sz="1428">
+                <a:solidFill>
+                  <a:schemeClr val="lt1"/>
+                </a:solidFill>
+                <a:latin typeface="Arial"/>
+                <a:ea typeface="Arial"/>
+                <a:cs typeface="Arial"/>
+                <a:sym typeface="Arial"/>
+              </a:rPr>
+              <a:t>4</a:t>
+            </a:r>
+            <a:endParaRPr sz="1400">
+              <a:solidFill>
+                <a:srgbClr val="000000"/>
+              </a:solidFill>
+              <a:latin typeface="Arial"/>
+              <a:ea typeface="Arial"/>
+              <a:cs typeface="Arial"/>
+              <a:sym typeface="Arial"/>
+            </a:endParaRPr>
+          </a:p>
+        </p:txBody>
+      </p:sp>
+      <p:sp>
+        <p:nvSpPr>
+          <p:cNvPr id="24" name="Google Shape;24;p1"/>
+          <p:cNvSpPr/>
+          <p:nvPr/>
+        </p:nvSpPr>
+        <p:spPr>
+          <a:xfrm>
+            <a:off x="1970820" y="1483932"/>
+            <a:ext cx="3597454" cy="224203"/>
+          </a:xfrm>
+          <a:prstGeom prst="rect">
+            <a:avLst/>
+          </a:prstGeom>
+          <a:noFill/>
+          <a:ln>
+            <a:noFill/>
+          </a:ln>
+        </p:spPr>
+        <p:txBody>
+          <a:bodyPr spcFirstLastPara="1" wrap="square" lIns="0" tIns="0" rIns="0" bIns="0" anchor="ctr" anchorCtr="0">
+            <a:noAutofit/>
+          </a:bodyPr>
+          <a:lstStyle/>
+          <a:p>
+            <a:pPr>
+              <a:buClr>
+                <a:srgbClr val="000000"/>
+              </a:buClr>
+              <a:buSzPts val="1428"/>
+            </a:pPr>
+            <a:r>
+              <a:rPr lang="en-AU" sz="1428" dirty="0">
+                <a:solidFill>
+                  <a:schemeClr val="dk1"/>
+                </a:solidFill>
+                <a:latin typeface="Arial"/>
+                <a:ea typeface="Arial"/>
+                <a:cs typeface="Arial"/>
+                <a:sym typeface="Arial"/>
+              </a:rPr>
+              <a:t>Context</a:t>
+            </a:r>
+            <a:endParaRPr sz="1400" dirty="0">
+              <a:solidFill>
+                <a:srgbClr val="000000"/>
+              </a:solidFill>
+              <a:latin typeface="Arial"/>
+              <a:ea typeface="Arial"/>
+              <a:cs typeface="Arial"/>
+              <a:sym typeface="Arial"/>
+            </a:endParaRPr>
+          </a:p>
+        </p:txBody>
+      </p:sp>
+      <p:sp>
+        <p:nvSpPr>
+          <p:cNvPr id="25" name="Google Shape;25;p1"/>
+          <p:cNvSpPr/>
+          <p:nvPr/>
+        </p:nvSpPr>
+        <p:spPr>
+          <a:xfrm>
+            <a:off x="6610259" y="1483932"/>
+            <a:ext cx="3597454" cy="224203"/>
+          </a:xfrm>
+          <a:prstGeom prst="rect">
+            <a:avLst/>
+          </a:prstGeom>
+          <a:noFill/>
+          <a:ln>
+            <a:noFill/>
+          </a:ln>
+        </p:spPr>
+        <p:txBody>
+          <a:bodyPr spcFirstLastPara="1" wrap="square" lIns="0" tIns="0" rIns="0" bIns="0" anchor="ctr" anchorCtr="0">
+            <a:noAutofit/>
+          </a:bodyPr>
+          <a:lstStyle/>
+          <a:p>
+            <a:pPr>
+              <a:buClr>
+                <a:srgbClr val="000000"/>
+              </a:buClr>
+              <a:buSzPts val="1428"/>
+            </a:pPr>
+            <a:r>
+              <a:rPr lang="en-AU" sz="1428">
+                <a:solidFill>
+                  <a:schemeClr val="dk1"/>
+                </a:solidFill>
+                <a:latin typeface="Arial"/>
+                <a:ea typeface="Arial"/>
+                <a:cs typeface="Arial"/>
+                <a:sym typeface="Arial"/>
+              </a:rPr>
+              <a:t>Constraints within solution space</a:t>
+            </a:r>
+            <a:endParaRPr sz="1400">
+              <a:solidFill>
+                <a:srgbClr val="000000"/>
+              </a:solidFill>
+              <a:latin typeface="Arial"/>
+              <a:ea typeface="Arial"/>
+              <a:cs typeface="Arial"/>
+              <a:sym typeface="Arial"/>
+            </a:endParaRPr>
+          </a:p>
+        </p:txBody>
+      </p:sp>
+      <p:sp>
+        <p:nvSpPr>
+          <p:cNvPr id="26" name="Google Shape;26;p1"/>
+          <p:cNvSpPr/>
+          <p:nvPr/>
+        </p:nvSpPr>
+        <p:spPr>
+          <a:xfrm>
+            <a:off x="6192376" y="3207097"/>
+            <a:ext cx="288315" cy="288315"/>
+          </a:xfrm>
+          <a:prstGeom prst="rect">
+            <a:avLst/>
+          </a:prstGeom>
+          <a:solidFill>
+            <a:srgbClr val="F1A205"/>
+          </a:solidFill>
+          <a:ln>
+            <a:noFill/>
+          </a:ln>
+        </p:spPr>
+        <p:txBody>
+          <a:bodyPr spcFirstLastPara="1" wrap="square" lIns="47575" tIns="47575" rIns="47575" bIns="47575" anchor="ctr" anchorCtr="0">
+            <a:noAutofit/>
+          </a:bodyPr>
+          <a:lstStyle/>
+          <a:p>
+            <a:pPr>
+              <a:buClr>
+                <a:srgbClr val="000000"/>
+              </a:buClr>
+              <a:buSzPts val="1428"/>
+            </a:pPr>
+            <a:r>
+              <a:rPr lang="en-AU" sz="1428">
+                <a:solidFill>
+                  <a:schemeClr val="lt1"/>
+                </a:solidFill>
+                <a:latin typeface="Arial"/>
+                <a:ea typeface="Arial"/>
+                <a:cs typeface="Arial"/>
+                <a:sym typeface="Arial"/>
+              </a:rPr>
+              <a:t>5</a:t>
+            </a:r>
+            <a:endParaRPr sz="1400">
+              <a:solidFill>
+                <a:srgbClr val="000000"/>
+              </a:solidFill>
+              <a:latin typeface="Arial"/>
+              <a:ea typeface="Arial"/>
+              <a:cs typeface="Arial"/>
+              <a:sym typeface="Arial"/>
+            </a:endParaRPr>
+          </a:p>
+        </p:txBody>
+      </p:sp>
+      <p:sp>
+        <p:nvSpPr>
+          <p:cNvPr id="27" name="Google Shape;27;p1"/>
+          <p:cNvSpPr/>
+          <p:nvPr/>
+        </p:nvSpPr>
+        <p:spPr>
+          <a:xfrm>
+            <a:off x="1529187" y="4073989"/>
+            <a:ext cx="288315" cy="288315"/>
+          </a:xfrm>
+          <a:prstGeom prst="rect">
+            <a:avLst/>
+          </a:prstGeom>
+          <a:solidFill>
+            <a:srgbClr val="F1A205"/>
+          </a:solidFill>
+          <a:ln>
+            <a:noFill/>
+          </a:ln>
+        </p:spPr>
+        <p:txBody>
+          <a:bodyPr spcFirstLastPara="1" wrap="square" lIns="47575" tIns="47575" rIns="47575" bIns="47575" anchor="ctr" anchorCtr="0">
+            <a:noAutofit/>
+          </a:bodyPr>
+          <a:lstStyle/>
+          <a:p>
+            <a:pPr>
+              <a:buClr>
+                <a:srgbClr val="000000"/>
+              </a:buClr>
+              <a:buSzPts val="1428"/>
+            </a:pPr>
+            <a:r>
+              <a:rPr lang="en-AU" sz="1428">
+                <a:solidFill>
+                  <a:schemeClr val="lt1"/>
+                </a:solidFill>
+                <a:latin typeface="Arial"/>
+                <a:ea typeface="Arial"/>
+                <a:cs typeface="Arial"/>
+                <a:sym typeface="Arial"/>
+              </a:rPr>
+              <a:t>2</a:t>
+            </a:r>
+            <a:endParaRPr sz="1400">
+              <a:solidFill>
+                <a:srgbClr val="000000"/>
+              </a:solidFill>
+              <a:latin typeface="Arial"/>
+              <a:ea typeface="Arial"/>
+              <a:cs typeface="Arial"/>
+              <a:sym typeface="Arial"/>
+            </a:endParaRPr>
+          </a:p>
+        </p:txBody>
+      </p:sp>
+      <p:sp>
+        <p:nvSpPr>
+          <p:cNvPr id="28" name="Google Shape;28;p1"/>
+          <p:cNvSpPr/>
+          <p:nvPr/>
+        </p:nvSpPr>
+        <p:spPr>
+          <a:xfrm>
+            <a:off x="1911445" y="4106045"/>
+            <a:ext cx="3597454" cy="224203"/>
+          </a:xfrm>
+          <a:prstGeom prst="rect">
+            <a:avLst/>
+          </a:prstGeom>
+          <a:noFill/>
+          <a:ln>
+            <a:noFill/>
+          </a:ln>
+        </p:spPr>
+        <p:txBody>
+          <a:bodyPr spcFirstLastPara="1" wrap="square" lIns="0" tIns="0" rIns="0" bIns="0" anchor="ctr" anchorCtr="0">
+            <a:noAutofit/>
+          </a:bodyPr>
+          <a:lstStyle/>
+          <a:p>
+            <a:pPr>
+              <a:buClr>
+                <a:srgbClr val="000000"/>
+              </a:buClr>
+              <a:buSzPts val="1428"/>
+            </a:pPr>
+            <a:r>
+              <a:rPr lang="en-AU" sz="1428" dirty="0">
+                <a:solidFill>
+                  <a:schemeClr val="dk1"/>
+                </a:solidFill>
+                <a:latin typeface="Arial"/>
+                <a:ea typeface="Arial"/>
+                <a:cs typeface="Arial"/>
+                <a:sym typeface="Arial"/>
+              </a:rPr>
+              <a:t>Criteria for success</a:t>
+            </a:r>
+            <a:endParaRPr sz="1400" dirty="0">
+              <a:solidFill>
+                <a:srgbClr val="000000"/>
+              </a:solidFill>
+              <a:latin typeface="Arial"/>
+              <a:ea typeface="Arial"/>
+              <a:cs typeface="Arial"/>
+              <a:sym typeface="Arial"/>
+            </a:endParaRPr>
+          </a:p>
+        </p:txBody>
+      </p:sp>
+      <p:sp>
+        <p:nvSpPr>
+          <p:cNvPr id="29" name="Google Shape;29;p1"/>
+          <p:cNvSpPr/>
+          <p:nvPr/>
+        </p:nvSpPr>
+        <p:spPr>
+          <a:xfrm>
+            <a:off x="6574634" y="3239153"/>
+            <a:ext cx="3597454" cy="224203"/>
+          </a:xfrm>
+          <a:prstGeom prst="rect">
+            <a:avLst/>
+          </a:prstGeom>
+          <a:noFill/>
+          <a:ln>
+            <a:noFill/>
+          </a:ln>
+        </p:spPr>
+        <p:txBody>
+          <a:bodyPr spcFirstLastPara="1" wrap="square" lIns="0" tIns="0" rIns="0" bIns="0" anchor="ctr" anchorCtr="0">
+            <a:noAutofit/>
+          </a:bodyPr>
+          <a:lstStyle/>
+          <a:p>
+            <a:pPr>
+              <a:buClr>
+                <a:srgbClr val="000000"/>
+              </a:buClr>
+              <a:buSzPts val="1428"/>
+            </a:pPr>
+            <a:r>
+              <a:rPr lang="en-AU" sz="1428">
+                <a:solidFill>
+                  <a:schemeClr val="dk1"/>
+                </a:solidFill>
+                <a:latin typeface="Arial"/>
+                <a:ea typeface="Arial"/>
+                <a:cs typeface="Arial"/>
+                <a:sym typeface="Arial"/>
+              </a:rPr>
+              <a:t>Stakeholders to provide key insight</a:t>
+            </a:r>
+            <a:endParaRPr sz="1400">
+              <a:solidFill>
+                <a:srgbClr val="000000"/>
+              </a:solidFill>
+              <a:latin typeface="Arial"/>
+              <a:ea typeface="Arial"/>
+              <a:cs typeface="Arial"/>
+              <a:sym typeface="Arial"/>
+            </a:endParaRPr>
+          </a:p>
+        </p:txBody>
+      </p:sp>
+      <p:sp>
+        <p:nvSpPr>
+          <p:cNvPr id="30" name="Google Shape;30;p1"/>
+          <p:cNvSpPr/>
+          <p:nvPr/>
+        </p:nvSpPr>
+        <p:spPr>
+          <a:xfrm>
+            <a:off x="1552937" y="4797686"/>
+            <a:ext cx="288315" cy="288315"/>
+          </a:xfrm>
+          <a:prstGeom prst="rect">
+            <a:avLst/>
+          </a:prstGeom>
+          <a:solidFill>
+            <a:srgbClr val="F1A205"/>
+          </a:solidFill>
+          <a:ln>
+            <a:noFill/>
+          </a:ln>
+        </p:spPr>
+        <p:txBody>
+          <a:bodyPr spcFirstLastPara="1" wrap="square" lIns="47575" tIns="47575" rIns="47575" bIns="47575" anchor="ctr" anchorCtr="0">
+            <a:noAutofit/>
+          </a:bodyPr>
+          <a:lstStyle/>
+          <a:p>
+            <a:pPr>
+              <a:buClr>
+                <a:srgbClr val="000000"/>
+              </a:buClr>
+              <a:buSzPts val="1428"/>
+            </a:pPr>
+            <a:r>
+              <a:rPr lang="en-AU" sz="1428">
+                <a:solidFill>
+                  <a:schemeClr val="lt1"/>
+                </a:solidFill>
+                <a:latin typeface="Arial"/>
+                <a:ea typeface="Arial"/>
+                <a:cs typeface="Arial"/>
+                <a:sym typeface="Arial"/>
+              </a:rPr>
+              <a:t>3</a:t>
+            </a:r>
+            <a:endParaRPr sz="1400">
+              <a:solidFill>
+                <a:srgbClr val="000000"/>
+              </a:solidFill>
+              <a:latin typeface="Arial"/>
+              <a:ea typeface="Arial"/>
+              <a:cs typeface="Arial"/>
+              <a:sym typeface="Arial"/>
+            </a:endParaRPr>
+          </a:p>
+        </p:txBody>
+      </p:sp>
+      <p:sp>
+        <p:nvSpPr>
+          <p:cNvPr id="31" name="Google Shape;31;p1"/>
+          <p:cNvSpPr/>
+          <p:nvPr/>
+        </p:nvSpPr>
+        <p:spPr>
+          <a:xfrm>
+            <a:off x="6192376" y="4797686"/>
+            <a:ext cx="288315" cy="288315"/>
+          </a:xfrm>
+          <a:prstGeom prst="rect">
+            <a:avLst/>
+          </a:prstGeom>
+          <a:solidFill>
+            <a:srgbClr val="F1A205"/>
+          </a:solidFill>
+          <a:ln>
+            <a:noFill/>
+          </a:ln>
+        </p:spPr>
+        <p:txBody>
+          <a:bodyPr spcFirstLastPara="1" wrap="square" lIns="47575" tIns="47575" rIns="47575" bIns="47575" anchor="ctr" anchorCtr="0">
+            <a:noAutofit/>
+          </a:bodyPr>
+          <a:lstStyle/>
+          <a:p>
+            <a:pPr>
+              <a:buClr>
+                <a:srgbClr val="000000"/>
+              </a:buClr>
+              <a:buSzPts val="1428"/>
+            </a:pPr>
+            <a:r>
+              <a:rPr lang="en-AU" sz="1428">
+                <a:solidFill>
+                  <a:schemeClr val="lt1"/>
+                </a:solidFill>
+                <a:latin typeface="Arial"/>
+                <a:ea typeface="Arial"/>
+                <a:cs typeface="Arial"/>
+                <a:sym typeface="Arial"/>
+              </a:rPr>
+              <a:t>6</a:t>
+            </a:r>
+            <a:endParaRPr sz="1400">
+              <a:solidFill>
+                <a:srgbClr val="000000"/>
+              </a:solidFill>
+              <a:latin typeface="Arial"/>
+              <a:ea typeface="Arial"/>
+              <a:cs typeface="Arial"/>
+              <a:sym typeface="Arial"/>
+            </a:endParaRPr>
+          </a:p>
+        </p:txBody>
+      </p:sp>
+      <p:sp>
+        <p:nvSpPr>
+          <p:cNvPr id="32" name="Google Shape;32;p1"/>
+          <p:cNvSpPr/>
+          <p:nvPr/>
+        </p:nvSpPr>
+        <p:spPr>
+          <a:xfrm>
+            <a:off x="1935195" y="4831972"/>
+            <a:ext cx="3597454" cy="219740"/>
+          </a:xfrm>
+          <a:prstGeom prst="rect">
+            <a:avLst/>
+          </a:prstGeom>
+          <a:noFill/>
+          <a:ln>
+            <a:noFill/>
+          </a:ln>
+        </p:spPr>
+        <p:txBody>
+          <a:bodyPr spcFirstLastPara="1" wrap="square" lIns="0" tIns="0" rIns="0" bIns="0" anchor="ctr" anchorCtr="0">
+            <a:noAutofit/>
+          </a:bodyPr>
+          <a:lstStyle/>
+          <a:p>
+            <a:pPr>
+              <a:buClr>
+                <a:srgbClr val="000000"/>
+              </a:buClr>
+              <a:buSzPts val="1428"/>
+            </a:pPr>
+            <a:r>
+              <a:rPr lang="en-AU" sz="1428" dirty="0">
+                <a:solidFill>
+                  <a:schemeClr val="dk1"/>
+                </a:solidFill>
+                <a:latin typeface="Arial"/>
+                <a:ea typeface="Arial"/>
+                <a:cs typeface="Arial"/>
+                <a:sym typeface="Arial"/>
+              </a:rPr>
+              <a:t>Scope of solution space </a:t>
+            </a:r>
+            <a:endParaRPr sz="1400" dirty="0">
+              <a:solidFill>
+                <a:srgbClr val="000000"/>
+              </a:solidFill>
+              <a:latin typeface="Arial"/>
+              <a:ea typeface="Arial"/>
+              <a:cs typeface="Arial"/>
+              <a:sym typeface="Arial"/>
+            </a:endParaRPr>
+          </a:p>
+        </p:txBody>
+      </p:sp>
+      <p:sp>
+        <p:nvSpPr>
+          <p:cNvPr id="33" name="Google Shape;33;p1"/>
+          <p:cNvSpPr/>
+          <p:nvPr/>
+        </p:nvSpPr>
+        <p:spPr>
+          <a:xfrm>
+            <a:off x="6574634" y="4829742"/>
+            <a:ext cx="3597454" cy="224203"/>
+          </a:xfrm>
+          <a:prstGeom prst="rect">
+            <a:avLst/>
+          </a:prstGeom>
+          <a:noFill/>
+          <a:ln>
+            <a:noFill/>
+          </a:ln>
+        </p:spPr>
+        <p:txBody>
+          <a:bodyPr spcFirstLastPara="1" wrap="square" lIns="0" tIns="0" rIns="0" bIns="0" anchor="ctr" anchorCtr="0">
+            <a:noAutofit/>
+          </a:bodyPr>
+          <a:lstStyle/>
+          <a:p>
+            <a:pPr>
+              <a:buClr>
+                <a:srgbClr val="000000"/>
+              </a:buClr>
+              <a:buSzPts val="1428"/>
+            </a:pPr>
+            <a:r>
+              <a:rPr lang="en-AU" sz="1428">
+                <a:solidFill>
+                  <a:schemeClr val="dk1"/>
+                </a:solidFill>
+              </a:rPr>
+              <a:t>Key</a:t>
+            </a:r>
+            <a:r>
+              <a:rPr lang="en-AU" sz="1428">
+                <a:solidFill>
+                  <a:schemeClr val="dk1"/>
+                </a:solidFill>
+                <a:latin typeface="Arial"/>
+                <a:ea typeface="Arial"/>
+                <a:cs typeface="Arial"/>
+                <a:sym typeface="Arial"/>
+              </a:rPr>
+              <a:t> data sources </a:t>
+            </a:r>
+            <a:endParaRPr sz="1400">
+              <a:solidFill>
+                <a:srgbClr val="000000"/>
+              </a:solidFill>
+              <a:latin typeface="Arial"/>
+              <a:ea typeface="Arial"/>
+              <a:cs typeface="Arial"/>
+              <a:sym typeface="Arial"/>
+            </a:endParaRPr>
+          </a:p>
+        </p:txBody>
+      </p:sp>
+      <p:sp>
+        <p:nvSpPr>
+          <p:cNvPr id="34" name="Google Shape;34;p1"/>
+          <p:cNvSpPr txBox="1"/>
+          <p:nvPr/>
+        </p:nvSpPr>
+        <p:spPr>
+          <a:xfrm>
+            <a:off x="1710842" y="1852008"/>
+            <a:ext cx="4324418" cy="1824054"/>
+          </a:xfrm>
+          <a:prstGeom prst="rect">
+            <a:avLst/>
+          </a:prstGeom>
+          <a:noFill/>
+          <a:ln>
+            <a:noFill/>
+          </a:ln>
+        </p:spPr>
+        <p:txBody>
+          <a:bodyPr spcFirstLastPara="1" wrap="square" lIns="91425" tIns="45700" rIns="91425" bIns="45700" anchor="t" anchorCtr="0">
+            <a:noAutofit/>
+          </a:bodyPr>
+          <a:lstStyle/>
+          <a:p>
+            <a:r>
+              <a:rPr lang="en-US" sz="1200" kern="100" dirty="0">
+                <a:effectLst/>
+                <a:latin typeface="Calibri" panose="020F0502020204030204" pitchFamily="34" charset="0"/>
+                <a:ea typeface="Calibri" panose="020F0502020204030204" pitchFamily="34" charset="0"/>
+                <a:cs typeface="Times New Roman" panose="02020603050405020304" pitchFamily="18" charset="0"/>
+              </a:rPr>
+              <a:t>Fannie Mae provides lenders with a reliable source of affordable mortgage financing across the country.  Fannie Mae do not originate loans or lend money directly to borrowers, instead it acquires mortgage loans made by lenders and then issue guaranteed mortgage-backed securities (MBS). In the ideal case, someone borrows money from a lender, then repays the loan until the balance is zero. However, some borrowers miss multiple payments, which can cause foreclosure. The process of foreclosure can be very lengthy and cost additional money to the FNMA. The goal is here is to build a predictable model to show whether or not loans acquired by Fannie Mae will go in to foreclosure.</a:t>
+            </a:r>
+          </a:p>
+          <a:p>
+            <a:r>
+              <a:rPr lang="en-US" sz="1200" dirty="0"/>
+              <a:t>. </a:t>
+            </a:r>
+          </a:p>
+          <a:p>
+            <a:endParaRPr sz="1200" dirty="0"/>
+          </a:p>
+        </p:txBody>
+      </p:sp>
+      <p:sp>
+        <p:nvSpPr>
+          <p:cNvPr id="35" name="Google Shape;35;p1"/>
+          <p:cNvSpPr txBox="1"/>
+          <p:nvPr/>
+        </p:nvSpPr>
+        <p:spPr>
+          <a:xfrm>
+            <a:off x="1732719" y="4369566"/>
+            <a:ext cx="4324418" cy="513277"/>
+          </a:xfrm>
+          <a:prstGeom prst="rect">
+            <a:avLst/>
+          </a:prstGeom>
+          <a:noFill/>
+          <a:ln>
+            <a:noFill/>
+          </a:ln>
+        </p:spPr>
+        <p:txBody>
+          <a:bodyPr spcFirstLastPara="1" wrap="square" lIns="91425" tIns="45700" rIns="91425" bIns="45700" anchor="t" anchorCtr="0">
+            <a:noAutofit/>
+          </a:bodyPr>
+          <a:lstStyle/>
+          <a:p>
+            <a:pPr marL="342900" marR="0" lvl="0" indent="-342900">
+              <a:lnSpc>
+                <a:spcPct val="107000"/>
+              </a:lnSpc>
+              <a:spcBef>
+                <a:spcPts val="0"/>
+              </a:spcBef>
+              <a:spcAft>
+                <a:spcPts val="800"/>
+              </a:spcAft>
+              <a:buFont typeface="Symbol" panose="05050102010706020507" pitchFamily="18" charset="2"/>
+              <a:buChar char=""/>
+            </a:pPr>
+            <a:r>
+              <a:rPr lang="en-US" sz="1200" kern="100" dirty="0">
+                <a:effectLst/>
+                <a:latin typeface="Calibri" panose="020F0502020204030204" pitchFamily="34" charset="0"/>
+                <a:ea typeface="Calibri" panose="020F0502020204030204" pitchFamily="34" charset="0"/>
+                <a:cs typeface="Times New Roman" panose="02020603050405020304" pitchFamily="18" charset="0"/>
+              </a:rPr>
+              <a:t>Predict whether loan will be foreclosed on in the future </a:t>
+            </a:r>
+          </a:p>
+        </p:txBody>
+      </p:sp>
+      <p:sp>
+        <p:nvSpPr>
+          <p:cNvPr id="36" name="Google Shape;36;p1"/>
+          <p:cNvSpPr txBox="1"/>
+          <p:nvPr/>
+        </p:nvSpPr>
+        <p:spPr>
+          <a:xfrm>
+            <a:off x="1710842" y="5184805"/>
+            <a:ext cx="4324418" cy="751488"/>
+          </a:xfrm>
+          <a:prstGeom prst="rect">
+            <a:avLst/>
+          </a:prstGeom>
+          <a:noFill/>
+          <a:ln>
+            <a:noFill/>
+          </a:ln>
+        </p:spPr>
+        <p:txBody>
+          <a:bodyPr spcFirstLastPara="1" wrap="square" lIns="91425" tIns="45700" rIns="91425" bIns="45700" anchor="t" anchorCtr="0">
+            <a:noAutofit/>
+          </a:bodyPr>
+          <a:lstStyle>
+            <a:defPPr>
+              <a:defRPr lang="en-US"/>
+            </a:defPPr>
+            <a:lvl1pPr marL="342900" marR="0" lvl="0" indent="-342900">
+              <a:lnSpc>
+                <a:spcPct val="107000"/>
+              </a:lnSpc>
+              <a:spcBef>
+                <a:spcPts val="0"/>
+              </a:spcBef>
+              <a:spcAft>
+                <a:spcPts val="800"/>
+              </a:spcAft>
+              <a:buFont typeface="Symbol" panose="05050102010706020507" pitchFamily="18" charset="2"/>
+              <a:buChar char=""/>
+              <a:defRPr sz="1200" kern="100">
+                <a:effectLst/>
+                <a:latin typeface="Calibri" panose="020F0502020204030204" pitchFamily="34" charset="0"/>
+                <a:ea typeface="Calibri" panose="020F0502020204030204" pitchFamily="34" charset="0"/>
+                <a:cs typeface="Times New Roman" panose="02020603050405020304" pitchFamily="18" charset="0"/>
+              </a:defRPr>
+            </a:lvl1pPr>
+          </a:lstStyle>
+          <a:p>
+            <a:r>
+              <a:rPr lang="en-US" dirty="0"/>
+              <a:t>For building the predicting model 2016-2017 year data considered</a:t>
+            </a:r>
+          </a:p>
+          <a:p>
+            <a:pPr marL="0" indent="0">
+              <a:buNone/>
+            </a:pPr>
+            <a:endParaRPr dirty="0">
+              <a:sym typeface="Arial"/>
+            </a:endParaRPr>
+          </a:p>
+        </p:txBody>
+      </p:sp>
+      <p:sp>
+        <p:nvSpPr>
+          <p:cNvPr id="37" name="Google Shape;37;p1"/>
+          <p:cNvSpPr txBox="1"/>
+          <p:nvPr/>
+        </p:nvSpPr>
+        <p:spPr>
+          <a:xfrm>
+            <a:off x="6574634" y="2024842"/>
+            <a:ext cx="4324418" cy="1100294"/>
+          </a:xfrm>
+          <a:prstGeom prst="rect">
+            <a:avLst/>
+          </a:prstGeom>
+          <a:noFill/>
+          <a:ln>
+            <a:noFill/>
+          </a:ln>
+        </p:spPr>
+        <p:txBody>
+          <a:bodyPr spcFirstLastPara="1" wrap="square" lIns="91425" tIns="45700" rIns="91425" bIns="45700" anchor="t" anchorCtr="0">
+            <a:noAutofit/>
+          </a:bodyPr>
+          <a:lstStyle>
+            <a:defPPr>
+              <a:defRPr lang="en-US"/>
+            </a:defPPr>
+            <a:lvl1pPr>
+              <a:defRPr sz="1200" kern="100">
+                <a:effectLst/>
+                <a:latin typeface="Calibri" panose="020F0502020204030204" pitchFamily="34" charset="0"/>
+                <a:ea typeface="Calibri" panose="020F0502020204030204" pitchFamily="34" charset="0"/>
+                <a:cs typeface="Times New Roman" panose="02020603050405020304" pitchFamily="18" charset="0"/>
+              </a:defRPr>
+            </a:lvl1pPr>
+          </a:lstStyle>
+          <a:p>
+            <a:r>
+              <a:rPr lang="en-US" dirty="0"/>
+              <a:t>predicting model is built using only information that is </a:t>
+            </a:r>
+          </a:p>
+          <a:p>
+            <a:r>
+              <a:rPr lang="en-US" dirty="0"/>
+              <a:t>available when the loan was acquired</a:t>
+            </a:r>
+          </a:p>
+        </p:txBody>
+      </p:sp>
+      <p:sp>
+        <p:nvSpPr>
+          <p:cNvPr id="38" name="Google Shape;38;p1"/>
+          <p:cNvSpPr txBox="1"/>
+          <p:nvPr/>
+        </p:nvSpPr>
+        <p:spPr>
+          <a:xfrm>
+            <a:off x="6516316" y="5125009"/>
+            <a:ext cx="4324418" cy="1081065"/>
+          </a:xfrm>
+          <a:prstGeom prst="rect">
+            <a:avLst/>
+          </a:prstGeom>
+          <a:noFill/>
+          <a:ln>
+            <a:noFill/>
+          </a:ln>
+        </p:spPr>
+        <p:txBody>
+          <a:bodyPr spcFirstLastPara="1" wrap="square" lIns="91425" tIns="45700" rIns="91425" bIns="45700" anchor="t" anchorCtr="0">
+            <a:noAutofit/>
+          </a:bodyPr>
+          <a:lstStyle/>
+          <a:p>
+            <a:endParaRPr lang="en-AU" sz="1070" dirty="0"/>
+          </a:p>
+          <a:p>
+            <a:r>
+              <a:rPr lang="en-AU" sz="1070" dirty="0"/>
+              <a:t>CSV file downloaded from FNMA website</a:t>
+            </a:r>
+            <a:endParaRPr sz="1070" dirty="0">
+              <a:solidFill>
+                <a:srgbClr val="000000"/>
+              </a:solidFill>
+              <a:latin typeface="Arial"/>
+              <a:ea typeface="Arial"/>
+              <a:cs typeface="Arial"/>
+              <a:sym typeface="Arial"/>
+            </a:endParaRPr>
+          </a:p>
+        </p:txBody>
+      </p:sp>
+      <p:sp>
+        <p:nvSpPr>
+          <p:cNvPr id="45" name="Google Shape;45;p1"/>
+          <p:cNvSpPr/>
+          <p:nvPr/>
+        </p:nvSpPr>
+        <p:spPr>
+          <a:xfrm>
+            <a:off x="1645750" y="116632"/>
+            <a:ext cx="7724912" cy="1137079"/>
+          </a:xfrm>
+          <a:prstGeom prst="wedgeRectCallout">
+            <a:avLst>
+              <a:gd name="adj1" fmla="val 53513"/>
+              <a:gd name="adj2" fmla="val 6588"/>
+            </a:avLst>
+          </a:prstGeom>
+          <a:solidFill>
+            <a:srgbClr val="FEF2DA"/>
+          </a:solidFill>
+          <a:ln>
+            <a:noFill/>
+          </a:ln>
+        </p:spPr>
+        <p:txBody>
+          <a:bodyPr spcFirstLastPara="1" wrap="square" lIns="91425" tIns="45700" rIns="91425" bIns="45700" anchor="ctr" anchorCtr="0">
+            <a:noAutofit/>
+          </a:bodyPr>
+          <a:lstStyle/>
+          <a:p>
+            <a:pPr algn="ctr">
+              <a:buClr>
+                <a:srgbClr val="000000"/>
+              </a:buClr>
+              <a:buSzPts val="1800"/>
+            </a:pPr>
+            <a:endParaRPr>
+              <a:solidFill>
+                <a:schemeClr val="dk1"/>
+              </a:solidFill>
+              <a:latin typeface="Arial"/>
+              <a:ea typeface="Arial"/>
+              <a:cs typeface="Arial"/>
+              <a:sym typeface="Arial"/>
+            </a:endParaRPr>
+          </a:p>
+        </p:txBody>
+      </p:sp>
+      <p:sp>
+        <p:nvSpPr>
+          <p:cNvPr id="46" name="Google Shape;46;p1"/>
+          <p:cNvSpPr txBox="1">
+            <a:spLocks noGrp="1"/>
+          </p:cNvSpPr>
+          <p:nvPr>
+            <p:ph type="title"/>
+          </p:nvPr>
+        </p:nvSpPr>
+        <p:spPr>
+          <a:xfrm>
+            <a:off x="1708140" y="189591"/>
+            <a:ext cx="8793596" cy="307777"/>
+          </a:xfrm>
+          <a:prstGeom prst="rect">
+            <a:avLst/>
+          </a:prstGeom>
+          <a:noFill/>
+          <a:ln>
+            <a:noFill/>
+          </a:ln>
+        </p:spPr>
+        <p:txBody>
+          <a:bodyPr spcFirstLastPara="1" vert="horz" wrap="square" lIns="0" tIns="0" rIns="0" bIns="0" rtlCol="0" anchor="t" anchorCtr="0">
+            <a:noAutofit/>
+          </a:bodyPr>
+          <a:lstStyle/>
+          <a:p>
+            <a:r>
+              <a:rPr lang="en-AU" sz="2000" dirty="0">
+                <a:solidFill>
+                  <a:srgbClr val="29748D"/>
+                </a:solidFill>
+                <a:latin typeface="Quattrocento Sans"/>
+                <a:ea typeface="Quattrocento Sans"/>
+                <a:cs typeface="Quattrocento Sans"/>
+                <a:sym typeface="Quattrocento Sans"/>
+              </a:rPr>
+              <a:t>Problem Statement Worksheet (Hypothesis Formation)</a:t>
+            </a:r>
+            <a:endParaRPr dirty="0"/>
+          </a:p>
+        </p:txBody>
+      </p:sp>
+      <p:sp>
+        <p:nvSpPr>
+          <p:cNvPr id="47" name="Google Shape;47;p1"/>
+          <p:cNvSpPr txBox="1"/>
+          <p:nvPr/>
+        </p:nvSpPr>
+        <p:spPr>
+          <a:xfrm>
+            <a:off x="6480691" y="3677613"/>
+            <a:ext cx="4324418" cy="1081065"/>
+          </a:xfrm>
+          <a:prstGeom prst="rect">
+            <a:avLst/>
+          </a:prstGeom>
+          <a:noFill/>
+          <a:ln>
+            <a:noFill/>
+          </a:ln>
+        </p:spPr>
+        <p:txBody>
+          <a:bodyPr spcFirstLastPara="1" wrap="square" lIns="91425" tIns="45700" rIns="91425" bIns="45700" anchor="t" anchorCtr="0">
+            <a:noAutofit/>
+          </a:bodyPr>
+          <a:lstStyle/>
+          <a:p>
+            <a:pPr marL="171450" indent="-171450">
+              <a:buFont typeface="Arial" panose="020B0604020202020204" pitchFamily="34" charset="0"/>
+              <a:buChar char="•"/>
+            </a:pPr>
+            <a:r>
+              <a:rPr lang="en-AU" sz="1071" dirty="0"/>
+              <a:t>FNMA</a:t>
+            </a:r>
+            <a:endParaRPr sz="1400" dirty="0">
+              <a:solidFill>
+                <a:srgbClr val="000000"/>
+              </a:solidFill>
+              <a:latin typeface="Arial"/>
+              <a:ea typeface="Arial"/>
+              <a:cs typeface="Arial"/>
+              <a:sym typeface="Arial"/>
+            </a:endParaRPr>
+          </a:p>
+        </p:txBody>
+      </p:sp>
+      <p:sp>
+        <p:nvSpPr>
+          <p:cNvPr id="48" name="Google Shape;48;p1"/>
+          <p:cNvSpPr txBox="1"/>
+          <p:nvPr/>
+        </p:nvSpPr>
+        <p:spPr>
+          <a:xfrm>
+            <a:off x="1215882" y="539382"/>
+            <a:ext cx="8584648" cy="492443"/>
+          </a:xfrm>
+          <a:prstGeom prst="rect">
+            <a:avLst/>
+          </a:prstGeom>
+          <a:noFill/>
+          <a:ln>
+            <a:noFill/>
+          </a:ln>
+        </p:spPr>
+        <p:txBody>
+          <a:bodyPr spcFirstLastPara="1" wrap="square" lIns="91425" tIns="45700" rIns="91425" bIns="45700" anchor="t" anchorCtr="0">
+            <a:noAutofit/>
+          </a:bodyPr>
+          <a:lstStyle/>
+          <a:p>
+            <a:pPr>
+              <a:buClr>
+                <a:srgbClr val="000000"/>
+              </a:buClr>
+              <a:buSzPts val="1400"/>
+            </a:pPr>
+            <a:r>
+              <a:rPr lang="en-US" b="1" dirty="0"/>
+              <a:t>What standards should FNMA look for when acquiring loans in order to reduce the likelihood of a foreclosure?</a:t>
+            </a:r>
+          </a:p>
+          <a:p>
+            <a:pPr>
+              <a:buClr>
+                <a:srgbClr val="000000"/>
+              </a:buClr>
+              <a:buSzPts val="1400"/>
+            </a:pPr>
+            <a:endParaRPr lang="en-US" b="1" dirty="0"/>
+          </a:p>
+        </p:txBody>
+      </p:sp>
+    </p:spTree>
+  </p:cSld>
+  <p:clrMapOvr>
+    <a:masterClrMapping/>
+  </p:clrMapOvr>
+</p:sld>
+</file>
+
+<file path=ppt/slides/slide3.xml><?xml version="1.0" encoding="utf-8"?>
+<p:sld xmlns:a="http://schemas.openxmlformats.org/drawingml/2006/main" xmlns:r="http://schemas.openxmlformats.org/officeDocument/2006/relationships" xmlns:p="http://schemas.openxmlformats.org/presentationml/2006/main">
+  <p:cSld>
+    <p:spTree>
+      <p:nvGrpSpPr>
+        <p:cNvPr id="1" name=""/>
+        <p:cNvGrpSpPr/>
+        <p:nvPr/>
+      </p:nvGrpSpPr>
+      <p:grpSpPr>
+        <a:xfrm>
+          <a:off x="0" y="0"/>
+          <a:ext cx="0" cy="0"/>
+          <a:chOff x="0" y="0"/>
+          <a:chExt cx="0" cy="0"/>
+        </a:xfrm>
+      </p:grpSpPr>
+      <p:sp>
+        <p:nvSpPr>
+          <p:cNvPr id="2" name="Title 1">
+            <a:extLst>
+              <a:ext uri="{FF2B5EF4-FFF2-40B4-BE49-F238E27FC236}">
+                <a16:creationId xmlns:a16="http://schemas.microsoft.com/office/drawing/2014/main" id="{7EEF1781-1D66-C0DE-90C1-38FD42833AF9}"/>
+              </a:ext>
+            </a:extLst>
+          </p:cNvPr>
+          <p:cNvSpPr>
+            <a:spLocks noGrp="1"/>
+          </p:cNvSpPr>
+          <p:nvPr>
+            <p:ph type="title"/>
+          </p:nvPr>
+        </p:nvSpPr>
+        <p:spPr>
+          <a:xfrm>
+            <a:off x="1066800" y="-212161"/>
+            <a:ext cx="10058400" cy="1450757"/>
+          </a:xfrm>
+        </p:spPr>
+        <p:txBody>
+          <a:bodyPr/>
+          <a:lstStyle/>
+          <a:p>
+            <a:pPr algn="ctr"/>
+            <a:r>
+              <a:rPr lang="en-US" dirty="0">
+                <a:latin typeface="Algerian" panose="04020705040A02060702" pitchFamily="82" charset="0"/>
+              </a:rPr>
+              <a:t>Data Visualization </a:t>
+            </a:r>
+          </a:p>
+        </p:txBody>
+      </p:sp>
+      <p:pic>
+        <p:nvPicPr>
+          <p:cNvPr id="4" name="Picture 3">
+            <a:extLst>
+              <a:ext uri="{FF2B5EF4-FFF2-40B4-BE49-F238E27FC236}">
+                <a16:creationId xmlns:a16="http://schemas.microsoft.com/office/drawing/2014/main" id="{63C9CF31-5438-3E82-2F80-E40151908C7C}"/>
+              </a:ext>
+            </a:extLst>
+          </p:cNvPr>
+          <p:cNvPicPr>
+            <a:picLocks noChangeAspect="1"/>
+          </p:cNvPicPr>
+          <p:nvPr/>
+        </p:nvPicPr>
+        <p:blipFill>
+          <a:blip r:embed="rId2"/>
+          <a:stretch>
+            <a:fillRect/>
+          </a:stretch>
+        </p:blipFill>
+        <p:spPr>
+          <a:xfrm>
+            <a:off x="2726852" y="1937192"/>
+            <a:ext cx="6738295" cy="4439857"/>
+          </a:xfrm>
+          <a:prstGeom prst="rect">
+            <a:avLst/>
+          </a:prstGeom>
+        </p:spPr>
+      </p:pic>
+    </p:spTree>
+    <p:extLst>
+      <p:ext uri="{BB962C8B-B14F-4D97-AF65-F5344CB8AC3E}">
+        <p14:creationId xmlns:p14="http://schemas.microsoft.com/office/powerpoint/2010/main" val="3921521464"/>
+      </p:ext>
+    </p:extLst>
+  </p:cSld>
+  <p:clrMapOvr>
+    <a:masterClrMapping/>
+  </p:clrMapOvr>
+</p:sld>
+</file>
+
+<file path=ppt/slides/slide4.xml><?xml version="1.0" encoding="utf-8"?>
+<p:sld xmlns:a="http://schemas.openxmlformats.org/drawingml/2006/main" xmlns:r="http://schemas.openxmlformats.org/officeDocument/2006/relationships" xmlns:p="http://schemas.openxmlformats.org/presentationml/2006/main">
+  <p:cSld>
+    <p:spTree>
+      <p:nvGrpSpPr>
+        <p:cNvPr id="1" name=""/>
+        <p:cNvGrpSpPr/>
+        <p:nvPr/>
+      </p:nvGrpSpPr>
+      <p:grpSpPr>
+        <a:xfrm>
+          <a:off x="0" y="0"/>
+          <a:ext cx="0" cy="0"/>
+          <a:chOff x="0" y="0"/>
+          <a:chExt cx="0" cy="0"/>
+        </a:xfrm>
+      </p:grpSpPr>
+      <p:sp>
+        <p:nvSpPr>
+          <p:cNvPr id="2" name="Title 1">
+            <a:extLst>
+              <a:ext uri="{FF2B5EF4-FFF2-40B4-BE49-F238E27FC236}">
+                <a16:creationId xmlns:a16="http://schemas.microsoft.com/office/drawing/2014/main" id="{3179AFA6-74CB-C5EB-A81A-036D85AC59A5}"/>
+              </a:ext>
+            </a:extLst>
+          </p:cNvPr>
+          <p:cNvSpPr>
+            <a:spLocks noGrp="1"/>
+          </p:cNvSpPr>
+          <p:nvPr>
+            <p:ph type="title"/>
+          </p:nvPr>
+        </p:nvSpPr>
+        <p:spPr>
+          <a:xfrm>
+            <a:off x="1066800" y="121129"/>
+            <a:ext cx="10058400" cy="1450757"/>
+          </a:xfrm>
+        </p:spPr>
+        <p:txBody>
+          <a:bodyPr vert="horz" lIns="91440" tIns="45720" rIns="91440" bIns="45720" rtlCol="0" anchor="b">
+            <a:normAutofit/>
+          </a:bodyPr>
+          <a:lstStyle/>
+          <a:p>
+            <a:pPr algn="ctr"/>
+            <a:r>
+              <a:rPr lang="en-US" dirty="0">
+                <a:latin typeface="Algerian" panose="04020705040A02060702" pitchFamily="82" charset="0"/>
+              </a:rPr>
+              <a:t>Probability Density graph </a:t>
+            </a:r>
+          </a:p>
+        </p:txBody>
+      </p:sp>
+      <p:pic>
+        <p:nvPicPr>
+          <p:cNvPr id="4" name="Content Placeholder 3">
+            <a:extLst>
+              <a:ext uri="{FF2B5EF4-FFF2-40B4-BE49-F238E27FC236}">
+                <a16:creationId xmlns:a16="http://schemas.microsoft.com/office/drawing/2014/main" id="{2EB60A29-2521-F4E9-C706-5C3801A9C6D3}"/>
+              </a:ext>
+            </a:extLst>
+          </p:cNvPr>
+          <p:cNvPicPr>
+            <a:picLocks noGrp="1" noChangeAspect="1"/>
+          </p:cNvPicPr>
+          <p:nvPr>
+            <p:ph idx="1"/>
+          </p:nvPr>
+        </p:nvPicPr>
+        <p:blipFill>
+          <a:blip r:embed="rId2"/>
+          <a:stretch>
+            <a:fillRect/>
+          </a:stretch>
+        </p:blipFill>
+        <p:spPr>
+          <a:xfrm>
+            <a:off x="1643616" y="2250704"/>
+            <a:ext cx="7587555" cy="3760788"/>
+          </a:xfrm>
+          <a:prstGeom prst="rect">
+            <a:avLst/>
+          </a:prstGeom>
+        </p:spPr>
+      </p:pic>
+    </p:spTree>
+    <p:extLst>
+      <p:ext uri="{BB962C8B-B14F-4D97-AF65-F5344CB8AC3E}">
+        <p14:creationId xmlns:p14="http://schemas.microsoft.com/office/powerpoint/2010/main" val="3792948492"/>
+      </p:ext>
+    </p:extLst>
+  </p:cSld>
+  <p:clrMapOvr>
+    <a:masterClrMapping/>
+  </p:clrMapOvr>
+</p:sld>
+</file>
+
+<file path=ppt/slides/slide5.xml><?xml version="1.0" encoding="utf-8"?>
+<p:sld xmlns:a="http://schemas.openxmlformats.org/drawingml/2006/main" xmlns:r="http://schemas.openxmlformats.org/officeDocument/2006/relationships" xmlns:p="http://schemas.openxmlformats.org/presentationml/2006/main">
+  <p:cSld>
+    <p:bg>
+      <p:bgRef idx="1001">
+        <a:schemeClr val="bg1"/>
+      </p:bgRef>
+    </p:bg>
+    <p:spTree>
+      <p:nvGrpSpPr>
+        <p:cNvPr id="1" name=""/>
+        <p:cNvGrpSpPr/>
+        <p:nvPr/>
+      </p:nvGrpSpPr>
+      <p:grpSpPr>
+        <a:xfrm>
+          <a:off x="0" y="0"/>
+          <a:ext cx="0" cy="0"/>
+          <a:chOff x="0" y="0"/>
+          <a:chExt cx="0" cy="0"/>
+        </a:xfrm>
+      </p:grpSpPr>
+      <p:sp>
+        <p:nvSpPr>
+          <p:cNvPr id="2" name="Title 1">
+            <a:extLst>
+              <a:ext uri="{FF2B5EF4-FFF2-40B4-BE49-F238E27FC236}">
+                <a16:creationId xmlns:a16="http://schemas.microsoft.com/office/drawing/2014/main" id="{2715B62B-0C0B-28AE-A115-1BC08F2CD3C8}"/>
+              </a:ext>
+            </a:extLst>
+          </p:cNvPr>
+          <p:cNvSpPr>
+            <a:spLocks noGrp="1"/>
+          </p:cNvSpPr>
+          <p:nvPr>
+            <p:ph type="title"/>
+          </p:nvPr>
+        </p:nvSpPr>
+        <p:spPr/>
+        <p:txBody>
+          <a:bodyPr/>
+          <a:lstStyle/>
+          <a:p>
+            <a:pPr algn="ctr"/>
+            <a:r>
+              <a:rPr lang="en-US" dirty="0">
+                <a:latin typeface="Algerian" panose="04020705040A02060702" pitchFamily="82" charset="0"/>
+              </a:rPr>
+              <a:t>Different States data</a:t>
+            </a:r>
+          </a:p>
+        </p:txBody>
+      </p:sp>
+      <p:pic>
+        <p:nvPicPr>
+          <p:cNvPr id="4" name="Content Placeholder 3">
+            <a:extLst>
+              <a:ext uri="{FF2B5EF4-FFF2-40B4-BE49-F238E27FC236}">
+                <a16:creationId xmlns:a16="http://schemas.microsoft.com/office/drawing/2014/main" id="{DED01BE4-FE3F-4653-1667-39B2DD280DDC}"/>
+              </a:ext>
+            </a:extLst>
+          </p:cNvPr>
+          <p:cNvPicPr>
+            <a:picLocks noGrp="1" noChangeAspect="1"/>
+          </p:cNvPicPr>
+          <p:nvPr>
+            <p:ph idx="1"/>
+          </p:nvPr>
+        </p:nvPicPr>
+        <p:blipFill>
+          <a:blip r:embed="rId3"/>
+          <a:stretch>
+            <a:fillRect/>
+          </a:stretch>
+        </p:blipFill>
+        <p:spPr>
+          <a:xfrm>
+            <a:off x="1308596" y="2072574"/>
+            <a:ext cx="9326376" cy="3760788"/>
+          </a:xfrm>
+          <a:prstGeom prst="rect">
+            <a:avLst/>
+          </a:prstGeom>
+        </p:spPr>
+      </p:pic>
+    </p:spTree>
+    <p:extLst>
+      <p:ext uri="{BB962C8B-B14F-4D97-AF65-F5344CB8AC3E}">
+        <p14:creationId xmlns:p14="http://schemas.microsoft.com/office/powerpoint/2010/main" val="1192359211"/>
+      </p:ext>
+    </p:extLst>
+  </p:cSld>
+  <p:clrMapOvr>
+    <a:overrideClrMapping bg1="lt1" tx1="dk1" bg2="lt2" tx2="dk2" accent1="accent1" accent2="accent2" accent3="accent3" accent4="accent4" accent5="accent5" accent6="accent6" hlink="hlink" folHlink="folHlink"/>
+  </p:clrMapOvr>
+</p:sld>
+</file>
+
+<file path=ppt/slides/slide6.xml><?xml version="1.0" encoding="utf-8"?>
+<p:sld xmlns:a="http://schemas.openxmlformats.org/drawingml/2006/main" xmlns:r="http://schemas.openxmlformats.org/officeDocument/2006/relationships" xmlns:p="http://schemas.openxmlformats.org/presentationml/2006/main">
+  <p:cSld>
+    <p:spTree>
+      <p:nvGrpSpPr>
+        <p:cNvPr id="1" name=""/>
+        <p:cNvGrpSpPr/>
+        <p:nvPr/>
+      </p:nvGrpSpPr>
+      <p:grpSpPr>
+        <a:xfrm>
+          <a:off x="0" y="0"/>
+          <a:ext cx="0" cy="0"/>
+          <a:chOff x="0" y="0"/>
+          <a:chExt cx="0" cy="0"/>
+        </a:xfrm>
+      </p:grpSpPr>
+      <p:sp>
+        <p:nvSpPr>
+          <p:cNvPr id="2" name="Title 1">
+            <a:extLst>
+              <a:ext uri="{FF2B5EF4-FFF2-40B4-BE49-F238E27FC236}">
+                <a16:creationId xmlns:a16="http://schemas.microsoft.com/office/drawing/2014/main" id="{3E2EEC42-F583-B90A-843E-CB1CB5F3D56B}"/>
+              </a:ext>
+            </a:extLst>
+          </p:cNvPr>
+          <p:cNvSpPr>
+            <a:spLocks noGrp="1"/>
+          </p:cNvSpPr>
+          <p:nvPr>
+            <p:ph type="title"/>
+          </p:nvPr>
+        </p:nvSpPr>
+        <p:spPr/>
+        <p:txBody>
+          <a:bodyPr/>
+          <a:lstStyle/>
+          <a:p>
+            <a:pPr algn="ctr"/>
+            <a:r>
+              <a:rPr lang="en-US" dirty="0">
+                <a:latin typeface="Algerian" panose="04020705040A02060702" pitchFamily="82" charset="0"/>
+              </a:rPr>
+              <a:t>Home foreclosure by origination date</a:t>
+            </a:r>
+          </a:p>
+        </p:txBody>
+      </p:sp>
+      <p:pic>
+        <p:nvPicPr>
+          <p:cNvPr id="4" name="Content Placeholder 3">
+            <a:extLst>
+              <a:ext uri="{FF2B5EF4-FFF2-40B4-BE49-F238E27FC236}">
+                <a16:creationId xmlns:a16="http://schemas.microsoft.com/office/drawing/2014/main" id="{502D02CF-0825-D091-2209-E23C7DAF3BB6}"/>
+              </a:ext>
+            </a:extLst>
+          </p:cNvPr>
+          <p:cNvPicPr>
+            <a:picLocks noGrp="1" noChangeAspect="1"/>
+          </p:cNvPicPr>
+          <p:nvPr>
+            <p:ph idx="1"/>
+          </p:nvPr>
+        </p:nvPicPr>
+        <p:blipFill>
+          <a:blip r:embed="rId2"/>
+          <a:stretch>
+            <a:fillRect/>
+          </a:stretch>
+        </p:blipFill>
+        <p:spPr>
+          <a:xfrm>
+            <a:off x="2304848" y="2108200"/>
+            <a:ext cx="7642630" cy="3760788"/>
+          </a:xfrm>
+          <a:prstGeom prst="rect">
+            <a:avLst/>
+          </a:prstGeom>
+        </p:spPr>
+      </p:pic>
+    </p:spTree>
+    <p:extLst>
+      <p:ext uri="{BB962C8B-B14F-4D97-AF65-F5344CB8AC3E}">
+        <p14:creationId xmlns:p14="http://schemas.microsoft.com/office/powerpoint/2010/main" val="2288558213"/>
+      </p:ext>
+    </p:extLst>
+  </p:cSld>
+  <p:clrMapOvr>
+    <a:masterClrMapping/>
+  </p:clrMapOvr>
+</p:sld>
+</file>
+
+<file path=ppt/slides/slide7.xml><?xml version="1.0" encoding="utf-8"?>
+<p:sld xmlns:a="http://schemas.openxmlformats.org/drawingml/2006/main" xmlns:r="http://schemas.openxmlformats.org/officeDocument/2006/relationships" xmlns:p="http://schemas.openxmlformats.org/presentationml/2006/main">
+  <p:cSld>
+    <p:spTree>
+      <p:nvGrpSpPr>
+        <p:cNvPr id="1" name=""/>
+        <p:cNvGrpSpPr/>
+        <p:nvPr/>
+      </p:nvGrpSpPr>
+      <p:grpSpPr>
+        <a:xfrm>
+          <a:off x="0" y="0"/>
+          <a:ext cx="0" cy="0"/>
+          <a:chOff x="0" y="0"/>
+          <a:chExt cx="0" cy="0"/>
+        </a:xfrm>
+      </p:grpSpPr>
+      <p:sp>
+        <p:nvSpPr>
+          <p:cNvPr id="2" name="Title 1">
+            <a:extLst>
+              <a:ext uri="{FF2B5EF4-FFF2-40B4-BE49-F238E27FC236}">
+                <a16:creationId xmlns:a16="http://schemas.microsoft.com/office/drawing/2014/main" id="{B7F791BF-C4CF-AE92-A989-FC556D22807D}"/>
+              </a:ext>
+            </a:extLst>
+          </p:cNvPr>
+          <p:cNvSpPr>
+            <a:spLocks noGrp="1"/>
+          </p:cNvSpPr>
+          <p:nvPr>
+            <p:ph type="title"/>
+          </p:nvPr>
+        </p:nvSpPr>
+        <p:spPr/>
+        <p:txBody>
+          <a:bodyPr>
+            <a:normAutofit/>
+          </a:bodyPr>
+          <a:lstStyle/>
+          <a:p>
+            <a:pPr algn="ctr"/>
+            <a:r>
+              <a:rPr lang="en-US" sz="3600" dirty="0">
+                <a:latin typeface="Algerian" panose="04020705040A02060702" pitchFamily="82" charset="0"/>
+              </a:rPr>
+              <a:t>Machine Learning Classifier</a:t>
+            </a:r>
+          </a:p>
+        </p:txBody>
+      </p:sp>
+      <p:sp>
+        <p:nvSpPr>
+          <p:cNvPr id="3" name="Content Placeholder 2">
+            <a:extLst>
+              <a:ext uri="{FF2B5EF4-FFF2-40B4-BE49-F238E27FC236}">
+                <a16:creationId xmlns:a16="http://schemas.microsoft.com/office/drawing/2014/main" id="{B6EC4549-5C8B-599F-ADC7-DA2DCE75ED4D}"/>
+              </a:ext>
+            </a:extLst>
+          </p:cNvPr>
+          <p:cNvSpPr>
+            <a:spLocks noGrp="1"/>
+          </p:cNvSpPr>
+          <p:nvPr>
+            <p:ph idx="1"/>
+          </p:nvPr>
+        </p:nvSpPr>
+        <p:spPr/>
+        <p:txBody>
+          <a:bodyPr/>
+          <a:lstStyle/>
+          <a:p>
+            <a:pPr marL="342900" marR="0" lvl="0" indent="-342900">
+              <a:lnSpc>
+                <a:spcPct val="107000"/>
+              </a:lnSpc>
+              <a:spcBef>
+                <a:spcPts val="200"/>
+              </a:spcBef>
+              <a:spcAft>
+                <a:spcPts val="0"/>
+              </a:spcAft>
+              <a:buFont typeface="Symbol" panose="05050102010706020507" pitchFamily="18" charset="2"/>
+              <a:buChar char=""/>
+            </a:pPr>
+            <a:r>
+              <a:rPr lang="en-US" sz="1800" b="1" kern="100" dirty="0">
+                <a:solidFill>
+                  <a:srgbClr val="1F3763"/>
+                </a:solidFill>
+                <a:effectLst/>
+                <a:latin typeface="Calibri Light" panose="020F0302020204030204" pitchFamily="34" charset="0"/>
+                <a:ea typeface="Times New Roman" panose="02020603050405020304" pitchFamily="18" charset="0"/>
+                <a:cs typeface="Times New Roman" panose="02020603050405020304" pitchFamily="18" charset="0"/>
+              </a:rPr>
+              <a:t>SMOTE (Synthetic Minority Over-sampling Technique) from imbalanced-learn library</a:t>
+            </a:r>
+          </a:p>
+          <a:p>
+            <a:pPr marL="342900" marR="0" lvl="0" indent="-342900">
+              <a:lnSpc>
+                <a:spcPct val="107000"/>
+              </a:lnSpc>
+              <a:spcBef>
+                <a:spcPts val="200"/>
+              </a:spcBef>
+              <a:spcAft>
+                <a:spcPts val="0"/>
+              </a:spcAft>
+              <a:buFont typeface="Symbol" panose="05050102010706020507" pitchFamily="18" charset="2"/>
+              <a:buChar char=""/>
+            </a:pPr>
+            <a:r>
+              <a:rPr lang="en-US" sz="1800" b="1" kern="100" dirty="0">
+                <a:solidFill>
+                  <a:srgbClr val="1F3763"/>
+                </a:solidFill>
+                <a:effectLst/>
+                <a:latin typeface="Calibri Light" panose="020F0302020204030204" pitchFamily="34" charset="0"/>
+                <a:ea typeface="Times New Roman" panose="02020603050405020304" pitchFamily="18" charset="0"/>
+                <a:cs typeface="Times New Roman" panose="02020603050405020304" pitchFamily="18" charset="0"/>
+              </a:rPr>
+              <a:t>Manually dividing the dataset to balance each set</a:t>
+            </a:r>
+          </a:p>
+          <a:p>
+            <a:pPr marL="342900" marR="0" lvl="0" indent="-342900">
+              <a:lnSpc>
+                <a:spcPct val="107000"/>
+              </a:lnSpc>
+              <a:spcBef>
+                <a:spcPts val="200"/>
+              </a:spcBef>
+              <a:spcAft>
+                <a:spcPts val="0"/>
+              </a:spcAft>
+              <a:buFont typeface="Symbol" panose="05050102010706020507" pitchFamily="18" charset="2"/>
+              <a:buChar char=""/>
+            </a:pPr>
+            <a:endParaRPr lang="en-US" sz="1800" b="1" kern="100" dirty="0">
+              <a:solidFill>
+                <a:srgbClr val="1F3763"/>
+              </a:solidFill>
+              <a:latin typeface="Calibri Light" panose="020F0302020204030204" pitchFamily="34" charset="0"/>
+              <a:ea typeface="Times New Roman" panose="02020603050405020304" pitchFamily="18" charset="0"/>
+              <a:cs typeface="Times New Roman" panose="02020603050405020304" pitchFamily="18" charset="0"/>
+            </a:endParaRPr>
+          </a:p>
+          <a:p>
+            <a:pPr marL="342900" marR="0" lvl="0" indent="-342900">
+              <a:lnSpc>
+                <a:spcPct val="107000"/>
+              </a:lnSpc>
+              <a:spcBef>
+                <a:spcPts val="200"/>
+              </a:spcBef>
+              <a:spcAft>
+                <a:spcPts val="0"/>
+              </a:spcAft>
+              <a:buFont typeface="Symbol" panose="05050102010706020507" pitchFamily="18" charset="2"/>
+              <a:buChar char=""/>
+            </a:pPr>
+            <a:endParaRPr lang="en-US" sz="1800" b="1" kern="100" dirty="0">
+              <a:solidFill>
+                <a:srgbClr val="1F3763"/>
+              </a:solidFill>
+              <a:effectLst/>
+              <a:latin typeface="Calibri Light" panose="020F0302020204030204" pitchFamily="34" charset="0"/>
+              <a:ea typeface="Times New Roman" panose="02020603050405020304" pitchFamily="18" charset="0"/>
+              <a:cs typeface="Times New Roman" panose="02020603050405020304" pitchFamily="18" charset="0"/>
+            </a:endParaRPr>
+          </a:p>
+          <a:p>
+            <a:endParaRPr lang="en-US" dirty="0"/>
+          </a:p>
+        </p:txBody>
+      </p:sp>
+      <p:pic>
+        <p:nvPicPr>
+          <p:cNvPr id="4" name="Picture 3">
+            <a:extLst>
+              <a:ext uri="{FF2B5EF4-FFF2-40B4-BE49-F238E27FC236}">
+                <a16:creationId xmlns:a16="http://schemas.microsoft.com/office/drawing/2014/main" id="{CB76A6A8-E7DF-D442-CFB6-923EBA5DF073}"/>
+              </a:ext>
+            </a:extLst>
+          </p:cNvPr>
+          <p:cNvPicPr>
+            <a:picLocks noChangeAspect="1"/>
+          </p:cNvPicPr>
+          <p:nvPr/>
+        </p:nvPicPr>
+        <p:blipFill>
+          <a:blip r:embed="rId2"/>
+          <a:stretch>
+            <a:fillRect/>
+          </a:stretch>
+        </p:blipFill>
+        <p:spPr>
+          <a:xfrm>
+            <a:off x="6096000" y="2719537"/>
+            <a:ext cx="5943600" cy="3649980"/>
+          </a:xfrm>
+          <a:prstGeom prst="rect">
+            <a:avLst/>
+          </a:prstGeom>
+        </p:spPr>
+      </p:pic>
+      <p:pic>
+        <p:nvPicPr>
+          <p:cNvPr id="5" name="Picture 4">
+            <a:extLst>
+              <a:ext uri="{FF2B5EF4-FFF2-40B4-BE49-F238E27FC236}">
+                <a16:creationId xmlns:a16="http://schemas.microsoft.com/office/drawing/2014/main" id="{896FDA93-89FF-CC5B-CE1A-2D0D7F9DA677}"/>
+              </a:ext>
+            </a:extLst>
+          </p:cNvPr>
+          <p:cNvPicPr>
+            <a:picLocks noChangeAspect="1"/>
+          </p:cNvPicPr>
+          <p:nvPr/>
+        </p:nvPicPr>
+        <p:blipFill>
+          <a:blip r:embed="rId3"/>
+          <a:stretch>
+            <a:fillRect/>
+          </a:stretch>
+        </p:blipFill>
+        <p:spPr>
+          <a:xfrm>
+            <a:off x="1497281" y="4658792"/>
+            <a:ext cx="5943600" cy="865505"/>
+          </a:xfrm>
+          <a:prstGeom prst="rect">
+            <a:avLst/>
+          </a:prstGeom>
+        </p:spPr>
+      </p:pic>
+    </p:spTree>
+    <p:extLst>
+      <p:ext uri="{BB962C8B-B14F-4D97-AF65-F5344CB8AC3E}">
+        <p14:creationId xmlns:p14="http://schemas.microsoft.com/office/powerpoint/2010/main" val="1674964746"/>
+      </p:ext>
+    </p:extLst>
+  </p:cSld>
+  <p:clrMapOvr>
+    <a:masterClrMapping/>
+  </p:clrMapOvr>
+</p:sld>
+</file>
+
+<file path=ppt/slides/slide8.xml><?xml version="1.0" encoding="utf-8"?>
+<p:sld xmlns:a="http://schemas.openxmlformats.org/drawingml/2006/main" xmlns:r="http://schemas.openxmlformats.org/officeDocument/2006/relationships" xmlns:p="http://schemas.openxmlformats.org/presentationml/2006/main">
+  <p:cSld>
+    <p:spTree>
+      <p:nvGrpSpPr>
+        <p:cNvPr id="1" name=""/>
+        <p:cNvGrpSpPr/>
+        <p:nvPr/>
+      </p:nvGrpSpPr>
+      <p:grpSpPr>
+        <a:xfrm>
+          <a:off x="0" y="0"/>
+          <a:ext cx="0" cy="0"/>
+          <a:chOff x="0" y="0"/>
+          <a:chExt cx="0" cy="0"/>
+        </a:xfrm>
+      </p:grpSpPr>
+      <p:sp>
+        <p:nvSpPr>
+          <p:cNvPr id="2" name="Title 1">
+            <a:extLst>
+              <a:ext uri="{FF2B5EF4-FFF2-40B4-BE49-F238E27FC236}">
+                <a16:creationId xmlns:a16="http://schemas.microsoft.com/office/drawing/2014/main" id="{6706EB1C-1963-5F9C-4E57-E44A76B76763}"/>
+              </a:ext>
+            </a:extLst>
+          </p:cNvPr>
+          <p:cNvSpPr>
+            <a:spLocks noGrp="1"/>
+          </p:cNvSpPr>
+          <p:nvPr>
+            <p:ph type="title"/>
+          </p:nvPr>
+        </p:nvSpPr>
+        <p:spPr/>
+        <p:txBody>
+          <a:bodyPr/>
+          <a:lstStyle/>
+          <a:p>
+            <a:pPr algn="ctr"/>
+            <a:r>
+              <a:rPr lang="en-US" dirty="0">
+                <a:latin typeface="Algerian" panose="04020705040A02060702" pitchFamily="82" charset="0"/>
+              </a:rPr>
+              <a:t>Prediction Results</a:t>
+            </a:r>
+          </a:p>
+        </p:txBody>
+      </p:sp>
+      <p:pic>
+        <p:nvPicPr>
+          <p:cNvPr id="4" name="Content Placeholder 3">
+            <a:extLst>
+              <a:ext uri="{FF2B5EF4-FFF2-40B4-BE49-F238E27FC236}">
+                <a16:creationId xmlns:a16="http://schemas.microsoft.com/office/drawing/2014/main" id="{30C21B06-44FD-D20E-8207-0560C8AAAADF}"/>
+              </a:ext>
+            </a:extLst>
+          </p:cNvPr>
+          <p:cNvPicPr>
+            <a:picLocks noGrp="1" noChangeAspect="1"/>
+          </p:cNvPicPr>
+          <p:nvPr>
+            <p:ph idx="1"/>
+          </p:nvPr>
+        </p:nvPicPr>
+        <p:blipFill>
+          <a:blip r:embed="rId2"/>
+          <a:stretch>
+            <a:fillRect/>
+          </a:stretch>
+        </p:blipFill>
+        <p:spPr>
+          <a:xfrm>
+            <a:off x="2301341" y="2407223"/>
+            <a:ext cx="7649643" cy="3162741"/>
+          </a:xfrm>
+          <a:prstGeom prst="rect">
+            <a:avLst/>
+          </a:prstGeom>
+        </p:spPr>
+      </p:pic>
+    </p:spTree>
+    <p:extLst>
+      <p:ext uri="{BB962C8B-B14F-4D97-AF65-F5344CB8AC3E}">
+        <p14:creationId xmlns:p14="http://schemas.microsoft.com/office/powerpoint/2010/main" val="1801147301"/>
+      </p:ext>
+    </p:extLst>
+  </p:cSld>
+  <p:clrMapOvr>
+    <a:masterClrMapping/>
+  </p:clrMapOvr>
+</p:sld>
+</file>
+
+<file path=ppt/slides/slide9.xml><?xml version="1.0" encoding="utf-8"?>
 <p:sld xmlns:a="http://schemas.openxmlformats.org/drawingml/2006/main" xmlns:r="http://schemas.openxmlformats.org/officeDocument/2006/relationships" xmlns:p="http://schemas.openxmlformats.org/presentationml/2006/main" showMasterSp="0">
   <p:cSld>
     <p:spTree>
@@ -5181,2377 +7416,6 @@
     <p:extLst>
       <p:ext uri="{BB962C8B-B14F-4D97-AF65-F5344CB8AC3E}">
         <p14:creationId xmlns:p14="http://schemas.microsoft.com/office/powerpoint/2010/main" val="2700820389"/>
-      </p:ext>
-    </p:extLst>
-  </p:cSld>
-  <p:clrMapOvr>
-    <a:masterClrMapping/>
-  </p:clrMapOvr>
-</p:sld>
-</file>
-
-<file path=ppt/slides/slide11.xml><?xml version="1.0" encoding="utf-8"?>
-<p:sld xmlns:a="http://schemas.openxmlformats.org/drawingml/2006/main" xmlns:r="http://schemas.openxmlformats.org/officeDocument/2006/relationships" xmlns:p="http://schemas.openxmlformats.org/presentationml/2006/main">
-  <p:cSld>
-    <p:bg>
-      <p:bgPr>
-        <a:solidFill>
-          <a:schemeClr val="bg1"/>
-        </a:solidFill>
-        <a:effectLst/>
-      </p:bgPr>
-    </p:bg>
-    <p:spTree>
-      <p:nvGrpSpPr>
-        <p:cNvPr id="1" name=""/>
-        <p:cNvGrpSpPr/>
-        <p:nvPr/>
-      </p:nvGrpSpPr>
-      <p:grpSpPr>
-        <a:xfrm>
-          <a:off x="0" y="0"/>
-          <a:ext cx="0" cy="0"/>
-          <a:chOff x="0" y="0"/>
-          <a:chExt cx="0" cy="0"/>
-        </a:xfrm>
-      </p:grpSpPr>
-      <p:sp>
-        <p:nvSpPr>
-          <p:cNvPr id="47" name="Rectangle 46">
-            <a:extLst>
-              <a:ext uri="{FF2B5EF4-FFF2-40B4-BE49-F238E27FC236}">
-                <a16:creationId xmlns:a16="http://schemas.microsoft.com/office/drawing/2014/main" id="{FBDCECDC-EEE3-4128-AA5E-82A8C08796E8}"/>
-              </a:ext>
-              <a:ext uri="{C183D7F6-B498-43B3-948B-1728B52AA6E4}">
-                <adec:decorative xmlns:adec="http://schemas.microsoft.com/office/drawing/2017/decorative" val="1"/>
-              </a:ext>
-            </a:extLst>
-          </p:cNvPr>
-          <p:cNvSpPr>
-            <a:spLocks noGrp="1" noRot="1" noChangeAspect="1" noMove="1" noResize="1" noEditPoints="1" noAdjustHandles="1" noChangeArrowheads="1" noChangeShapeType="1" noTextEdit="1"/>
-          </p:cNvSpPr>
-          <p:nvPr>
-            <p:extLst>
-              <p:ext uri="{386F3935-93C4-4BCD-93E2-E3B085C9AB24}">
-                <p16:designElem xmlns:p16="http://schemas.microsoft.com/office/powerpoint/2015/main" val="1"/>
-              </p:ext>
-            </p:extLst>
-          </p:nvPr>
-        </p:nvSpPr>
-        <p:spPr>
-          <a:xfrm>
-            <a:off x="1507" y="0"/>
-            <a:ext cx="12192000" cy="6858000"/>
-          </a:xfrm>
-          <a:prstGeom prst="rect">
-            <a:avLst/>
-          </a:prstGeom>
-          <a:solidFill>
-            <a:schemeClr val="accent1"/>
-          </a:solidFill>
-          <a:ln>
-            <a:noFill/>
-          </a:ln>
-        </p:spPr>
-        <p:style>
-          <a:lnRef idx="2">
-            <a:schemeClr val="accent1">
-              <a:shade val="50000"/>
-            </a:schemeClr>
-          </a:lnRef>
-          <a:fillRef idx="1">
-            <a:schemeClr val="accent1"/>
-          </a:fillRef>
-          <a:effectRef idx="0">
-            <a:schemeClr val="accent1"/>
-          </a:effectRef>
-          <a:fontRef idx="minor">
-            <a:schemeClr val="lt1"/>
-          </a:fontRef>
-        </p:style>
-        <p:txBody>
-          <a:bodyPr rtlCol="0" anchor="ctr"/>
-          <a:lstStyle/>
-          <a:p>
-            <a:pPr algn="ctr"/>
-            <a:endParaRPr lang="en-US"/>
-          </a:p>
-        </p:txBody>
-      </p:sp>
-      <p:sp>
-        <p:nvSpPr>
-          <p:cNvPr id="49" name="Rectangle 48">
-            <a:extLst>
-              <a:ext uri="{FF2B5EF4-FFF2-40B4-BE49-F238E27FC236}">
-                <a16:creationId xmlns:a16="http://schemas.microsoft.com/office/drawing/2014/main" id="{4260EDE0-989C-4E16-AF94-F652294D828E}"/>
-              </a:ext>
-              <a:ext uri="{C183D7F6-B498-43B3-948B-1728B52AA6E4}">
-                <adec:decorative xmlns:adec="http://schemas.microsoft.com/office/drawing/2017/decorative" val="1"/>
-              </a:ext>
-            </a:extLst>
-          </p:cNvPr>
-          <p:cNvSpPr>
-            <a:spLocks noGrp="1" noRot="1" noChangeAspect="1" noMove="1" noResize="1" noEditPoints="1" noAdjustHandles="1" noChangeArrowheads="1" noChangeShapeType="1" noTextEdit="1"/>
-          </p:cNvSpPr>
-          <p:nvPr>
-            <p:extLst>
-              <p:ext uri="{386F3935-93C4-4BCD-93E2-E3B085C9AB24}">
-                <p16:designElem xmlns:p16="http://schemas.microsoft.com/office/powerpoint/2015/main" val="1"/>
-              </p:ext>
-            </p:extLst>
-          </p:nvPr>
-        </p:nvSpPr>
-        <p:spPr bwMode="white">
-          <a:xfrm>
-            <a:off x="1507" y="4953000"/>
-            <a:ext cx="12188952" cy="1905000"/>
-          </a:xfrm>
-          <a:prstGeom prst="rect">
-            <a:avLst/>
-          </a:prstGeom>
-          <a:solidFill>
-            <a:srgbClr val="262626"/>
-          </a:solidFill>
-          <a:ln>
-            <a:noFill/>
-          </a:ln>
-        </p:spPr>
-        <p:style>
-          <a:lnRef idx="2">
-            <a:schemeClr val="accent1">
-              <a:shade val="50000"/>
-            </a:schemeClr>
-          </a:lnRef>
-          <a:fillRef idx="1">
-            <a:schemeClr val="accent1"/>
-          </a:fillRef>
-          <a:effectRef idx="0">
-            <a:schemeClr val="accent1"/>
-          </a:effectRef>
-          <a:fontRef idx="minor">
-            <a:schemeClr val="lt1"/>
-          </a:fontRef>
-        </p:style>
-        <p:txBody>
-          <a:bodyPr/>
-          <a:lstStyle/>
-          <a:p>
-            <a:endParaRPr lang="en-US"/>
-          </a:p>
-        </p:txBody>
-      </p:sp>
-      <p:sp>
-        <p:nvSpPr>
-          <p:cNvPr id="3" name="Subtitle 2">
-            <a:extLst>
-              <a:ext uri="{FF2B5EF4-FFF2-40B4-BE49-F238E27FC236}">
-                <a16:creationId xmlns:a16="http://schemas.microsoft.com/office/drawing/2014/main" id="{255E1F2F-E259-4EA8-9FFD-3A10AF541859}"/>
-              </a:ext>
-            </a:extLst>
-          </p:cNvPr>
-          <p:cNvSpPr>
-            <a:spLocks noGrp="1"/>
-          </p:cNvSpPr>
-          <p:nvPr>
-            <p:ph type="subTitle" idx="1"/>
-          </p:nvPr>
-        </p:nvSpPr>
-        <p:spPr>
-          <a:xfrm>
-            <a:off x="1100051" y="5225240"/>
-            <a:ext cx="10058400" cy="1143000"/>
-          </a:xfrm>
-        </p:spPr>
-        <p:txBody>
-          <a:bodyPr>
-            <a:normAutofit/>
-          </a:bodyPr>
-          <a:lstStyle/>
-          <a:p>
-            <a:r>
-              <a:rPr lang="en-US" dirty="0">
-                <a:solidFill>
-                  <a:srgbClr val="FFFFFF"/>
-                </a:solidFill>
-              </a:rPr>
-              <a:t>- Manjula </a:t>
-            </a:r>
-          </a:p>
-          <a:p>
-            <a:r>
-              <a:rPr lang="en-US" sz="800" cap="none" dirty="0">
-                <a:solidFill>
-                  <a:srgbClr val="FFFFFF"/>
-                </a:solidFill>
-                <a:latin typeface="Arial" panose="020B0604020202020204" pitchFamily="34" charset="0"/>
-                <a:cs typeface="Arial" panose="020B0604020202020204" pitchFamily="34" charset="0"/>
-              </a:rPr>
-              <a:t>data is sourced from </a:t>
-            </a:r>
-            <a:r>
-              <a:rPr lang="en-US" sz="800" cap="none" dirty="0" err="1">
-                <a:solidFill>
-                  <a:srgbClr val="FFFFFF"/>
-                </a:solidFill>
-                <a:latin typeface="Arial" panose="020B0604020202020204" pitchFamily="34" charset="0"/>
-                <a:cs typeface="Arial" panose="020B0604020202020204" pitchFamily="34" charset="0"/>
-              </a:rPr>
-              <a:t>fnma</a:t>
-            </a:r>
-            <a:r>
-              <a:rPr lang="en-US" sz="800" cap="none" dirty="0">
-                <a:solidFill>
-                  <a:srgbClr val="FFFFFF"/>
-                </a:solidFill>
-                <a:latin typeface="Arial" panose="020B0604020202020204" pitchFamily="34" charset="0"/>
-                <a:cs typeface="Arial" panose="020B0604020202020204" pitchFamily="34" charset="0"/>
-              </a:rPr>
-              <a:t> website</a:t>
-            </a:r>
-          </a:p>
-        </p:txBody>
-      </p:sp>
-      <p:sp>
-        <p:nvSpPr>
-          <p:cNvPr id="7" name="Title 6">
-            <a:extLst>
-              <a:ext uri="{FF2B5EF4-FFF2-40B4-BE49-F238E27FC236}">
-                <a16:creationId xmlns:a16="http://schemas.microsoft.com/office/drawing/2014/main" id="{F522D655-7669-95CD-561C-FA924DEDB069}"/>
-              </a:ext>
-            </a:extLst>
-          </p:cNvPr>
-          <p:cNvSpPr>
-            <a:spLocks noGrp="1"/>
-          </p:cNvSpPr>
-          <p:nvPr>
-            <p:ph type="ctrTitle"/>
-          </p:nvPr>
-        </p:nvSpPr>
-        <p:spPr/>
-        <p:txBody>
-          <a:bodyPr/>
-          <a:lstStyle/>
-          <a:p>
-            <a:r>
-              <a:rPr lang="en-US" dirty="0"/>
-              <a:t>Thank you </a:t>
-            </a:r>
-          </a:p>
-        </p:txBody>
-      </p:sp>
-    </p:spTree>
-    <p:extLst>
-      <p:ext uri="{BB962C8B-B14F-4D97-AF65-F5344CB8AC3E}">
-        <p14:creationId xmlns:p14="http://schemas.microsoft.com/office/powerpoint/2010/main" val="191714609"/>
-      </p:ext>
-    </p:extLst>
-  </p:cSld>
-  <p:clrMapOvr>
-    <a:masterClrMapping/>
-  </p:clrMapOvr>
-</p:sld>
-</file>
-
-<file path=ppt/slides/slide2.xml><?xml version="1.0" encoding="utf-8"?>
-<p:sld xmlns:a="http://schemas.openxmlformats.org/drawingml/2006/main" xmlns:r="http://schemas.openxmlformats.org/officeDocument/2006/relationships" xmlns:p="http://schemas.openxmlformats.org/presentationml/2006/main" showMasterSp="0">
-  <p:cSld>
-    <p:spTree>
-      <p:nvGrpSpPr>
-        <p:cNvPr id="1" name="Shape 19"/>
-        <p:cNvGrpSpPr/>
-        <p:nvPr/>
-      </p:nvGrpSpPr>
-      <p:grpSpPr>
-        <a:xfrm>
-          <a:off x="0" y="0"/>
-          <a:ext cx="0" cy="0"/>
-          <a:chOff x="0" y="0"/>
-          <a:chExt cx="0" cy="0"/>
-        </a:xfrm>
-      </p:grpSpPr>
-      <p:sp>
-        <p:nvSpPr>
-          <p:cNvPr id="20" name="Google Shape;20;p1"/>
-          <p:cNvSpPr/>
-          <p:nvPr/>
-        </p:nvSpPr>
-        <p:spPr>
-          <a:xfrm>
-            <a:off x="1251507" y="1295726"/>
-            <a:ext cx="4790223" cy="4961352"/>
-          </a:xfrm>
-          <a:prstGeom prst="rect">
-            <a:avLst/>
-          </a:prstGeom>
-          <a:solidFill>
-            <a:schemeClr val="lt1"/>
-          </a:solidFill>
-          <a:ln w="19050" cap="flat" cmpd="sng">
-            <a:solidFill>
-              <a:schemeClr val="accent5"/>
-            </a:solidFill>
-            <a:prstDash val="solid"/>
-            <a:miter lim="800000"/>
-            <a:headEnd type="none" w="sm" len="sm"/>
-            <a:tailEnd type="none" w="sm" len="sm"/>
-          </a:ln>
-        </p:spPr>
-        <p:txBody>
-          <a:bodyPr spcFirstLastPara="1" wrap="square" lIns="91425" tIns="45700" rIns="91425" bIns="45700" anchor="ctr" anchorCtr="0">
-            <a:noAutofit/>
-          </a:bodyPr>
-          <a:lstStyle/>
-          <a:p>
-            <a:pPr>
-              <a:buClr>
-                <a:srgbClr val="000000"/>
-              </a:buClr>
-              <a:buSzPts val="1428"/>
-            </a:pPr>
-            <a:endParaRPr sz="1428">
-              <a:solidFill>
-                <a:srgbClr val="000000"/>
-              </a:solidFill>
-              <a:latin typeface="Arial"/>
-              <a:ea typeface="Arial"/>
-              <a:cs typeface="Arial"/>
-              <a:sym typeface="Arial"/>
-            </a:endParaRPr>
-          </a:p>
-        </p:txBody>
-      </p:sp>
-      <p:sp>
-        <p:nvSpPr>
-          <p:cNvPr id="21" name="Google Shape;21;p1"/>
-          <p:cNvSpPr/>
-          <p:nvPr/>
-        </p:nvSpPr>
-        <p:spPr>
-          <a:xfrm>
-            <a:off x="6111388" y="1295726"/>
-            <a:ext cx="4413504" cy="4961352"/>
-          </a:xfrm>
-          <a:prstGeom prst="rect">
-            <a:avLst/>
-          </a:prstGeom>
-          <a:solidFill>
-            <a:schemeClr val="lt1"/>
-          </a:solidFill>
-          <a:ln w="19050" cap="flat" cmpd="sng">
-            <a:solidFill>
-              <a:schemeClr val="accent5"/>
-            </a:solidFill>
-            <a:prstDash val="solid"/>
-            <a:miter lim="800000"/>
-            <a:headEnd type="none" w="sm" len="sm"/>
-            <a:tailEnd type="none" w="sm" len="sm"/>
-          </a:ln>
-        </p:spPr>
-        <p:txBody>
-          <a:bodyPr spcFirstLastPara="1" wrap="square" lIns="91425" tIns="45700" rIns="91425" bIns="45700" anchor="ctr" anchorCtr="0">
-            <a:noAutofit/>
-          </a:bodyPr>
-          <a:lstStyle/>
-          <a:p>
-            <a:pPr>
-              <a:buClr>
-                <a:srgbClr val="000000"/>
-              </a:buClr>
-              <a:buSzPts val="1428"/>
-            </a:pPr>
-            <a:endParaRPr sz="1428">
-              <a:solidFill>
-                <a:srgbClr val="000000"/>
-              </a:solidFill>
-              <a:latin typeface="Arial"/>
-              <a:ea typeface="Arial"/>
-              <a:cs typeface="Arial"/>
-              <a:sym typeface="Arial"/>
-            </a:endParaRPr>
-          </a:p>
-        </p:txBody>
-      </p:sp>
-      <p:sp>
-        <p:nvSpPr>
-          <p:cNvPr id="22" name="Google Shape;22;p1"/>
-          <p:cNvSpPr/>
-          <p:nvPr/>
-        </p:nvSpPr>
-        <p:spPr>
-          <a:xfrm>
-            <a:off x="1588562" y="1451878"/>
-            <a:ext cx="288315" cy="288315"/>
-          </a:xfrm>
-          <a:prstGeom prst="rect">
-            <a:avLst/>
-          </a:prstGeom>
-          <a:solidFill>
-            <a:srgbClr val="F1A205"/>
-          </a:solidFill>
-          <a:ln>
-            <a:noFill/>
-          </a:ln>
-        </p:spPr>
-        <p:txBody>
-          <a:bodyPr spcFirstLastPara="1" wrap="square" lIns="47575" tIns="47575" rIns="47575" bIns="47575" anchor="ctr" anchorCtr="0">
-            <a:noAutofit/>
-          </a:bodyPr>
-          <a:lstStyle/>
-          <a:p>
-            <a:pPr>
-              <a:buClr>
-                <a:srgbClr val="000000"/>
-              </a:buClr>
-              <a:buSzPts val="1428"/>
-            </a:pPr>
-            <a:r>
-              <a:rPr lang="en-AU" sz="1428" dirty="0">
-                <a:solidFill>
-                  <a:schemeClr val="lt1"/>
-                </a:solidFill>
-                <a:latin typeface="Arial"/>
-                <a:ea typeface="Arial"/>
-                <a:cs typeface="Arial"/>
-                <a:sym typeface="Arial"/>
-              </a:rPr>
-              <a:t>1</a:t>
-            </a:r>
-            <a:endParaRPr sz="1428" dirty="0">
-              <a:solidFill>
-                <a:schemeClr val="lt1"/>
-              </a:solidFill>
-              <a:latin typeface="Arial"/>
-              <a:ea typeface="Arial"/>
-              <a:cs typeface="Arial"/>
-              <a:sym typeface="Arial"/>
-            </a:endParaRPr>
-          </a:p>
-        </p:txBody>
-      </p:sp>
-      <p:sp>
-        <p:nvSpPr>
-          <p:cNvPr id="23" name="Google Shape;23;p1"/>
-          <p:cNvSpPr/>
-          <p:nvPr/>
-        </p:nvSpPr>
-        <p:spPr>
-          <a:xfrm>
-            <a:off x="6228001" y="1451878"/>
-            <a:ext cx="288315" cy="288315"/>
-          </a:xfrm>
-          <a:prstGeom prst="rect">
-            <a:avLst/>
-          </a:prstGeom>
-          <a:solidFill>
-            <a:srgbClr val="F1A205"/>
-          </a:solidFill>
-          <a:ln>
-            <a:noFill/>
-          </a:ln>
-        </p:spPr>
-        <p:txBody>
-          <a:bodyPr spcFirstLastPara="1" wrap="square" lIns="47575" tIns="47575" rIns="47575" bIns="47575" anchor="ctr" anchorCtr="0">
-            <a:noAutofit/>
-          </a:bodyPr>
-          <a:lstStyle/>
-          <a:p>
-            <a:pPr>
-              <a:buClr>
-                <a:srgbClr val="000000"/>
-              </a:buClr>
-              <a:buSzPts val="1428"/>
-            </a:pPr>
-            <a:r>
-              <a:rPr lang="en-AU" sz="1428">
-                <a:solidFill>
-                  <a:schemeClr val="lt1"/>
-                </a:solidFill>
-                <a:latin typeface="Arial"/>
-                <a:ea typeface="Arial"/>
-                <a:cs typeface="Arial"/>
-                <a:sym typeface="Arial"/>
-              </a:rPr>
-              <a:t>4</a:t>
-            </a:r>
-            <a:endParaRPr sz="1400">
-              <a:solidFill>
-                <a:srgbClr val="000000"/>
-              </a:solidFill>
-              <a:latin typeface="Arial"/>
-              <a:ea typeface="Arial"/>
-              <a:cs typeface="Arial"/>
-              <a:sym typeface="Arial"/>
-            </a:endParaRPr>
-          </a:p>
-        </p:txBody>
-      </p:sp>
-      <p:sp>
-        <p:nvSpPr>
-          <p:cNvPr id="24" name="Google Shape;24;p1"/>
-          <p:cNvSpPr/>
-          <p:nvPr/>
-        </p:nvSpPr>
-        <p:spPr>
-          <a:xfrm>
-            <a:off x="1970820" y="1483932"/>
-            <a:ext cx="3597454" cy="224203"/>
-          </a:xfrm>
-          <a:prstGeom prst="rect">
-            <a:avLst/>
-          </a:prstGeom>
-          <a:noFill/>
-          <a:ln>
-            <a:noFill/>
-          </a:ln>
-        </p:spPr>
-        <p:txBody>
-          <a:bodyPr spcFirstLastPara="1" wrap="square" lIns="0" tIns="0" rIns="0" bIns="0" anchor="ctr" anchorCtr="0">
-            <a:noAutofit/>
-          </a:bodyPr>
-          <a:lstStyle/>
-          <a:p>
-            <a:pPr>
-              <a:buClr>
-                <a:srgbClr val="000000"/>
-              </a:buClr>
-              <a:buSzPts val="1428"/>
-            </a:pPr>
-            <a:r>
-              <a:rPr lang="en-AU" sz="1428" dirty="0">
-                <a:solidFill>
-                  <a:schemeClr val="dk1"/>
-                </a:solidFill>
-                <a:latin typeface="Arial"/>
-                <a:ea typeface="Arial"/>
-                <a:cs typeface="Arial"/>
-                <a:sym typeface="Arial"/>
-              </a:rPr>
-              <a:t>Context</a:t>
-            </a:r>
-            <a:endParaRPr sz="1400" dirty="0">
-              <a:solidFill>
-                <a:srgbClr val="000000"/>
-              </a:solidFill>
-              <a:latin typeface="Arial"/>
-              <a:ea typeface="Arial"/>
-              <a:cs typeface="Arial"/>
-              <a:sym typeface="Arial"/>
-            </a:endParaRPr>
-          </a:p>
-        </p:txBody>
-      </p:sp>
-      <p:sp>
-        <p:nvSpPr>
-          <p:cNvPr id="25" name="Google Shape;25;p1"/>
-          <p:cNvSpPr/>
-          <p:nvPr/>
-        </p:nvSpPr>
-        <p:spPr>
-          <a:xfrm>
-            <a:off x="6610259" y="1483932"/>
-            <a:ext cx="3597454" cy="224203"/>
-          </a:xfrm>
-          <a:prstGeom prst="rect">
-            <a:avLst/>
-          </a:prstGeom>
-          <a:noFill/>
-          <a:ln>
-            <a:noFill/>
-          </a:ln>
-        </p:spPr>
-        <p:txBody>
-          <a:bodyPr spcFirstLastPara="1" wrap="square" lIns="0" tIns="0" rIns="0" bIns="0" anchor="ctr" anchorCtr="0">
-            <a:noAutofit/>
-          </a:bodyPr>
-          <a:lstStyle/>
-          <a:p>
-            <a:pPr>
-              <a:buClr>
-                <a:srgbClr val="000000"/>
-              </a:buClr>
-              <a:buSzPts val="1428"/>
-            </a:pPr>
-            <a:r>
-              <a:rPr lang="en-AU" sz="1428">
-                <a:solidFill>
-                  <a:schemeClr val="dk1"/>
-                </a:solidFill>
-                <a:latin typeface="Arial"/>
-                <a:ea typeface="Arial"/>
-                <a:cs typeface="Arial"/>
-                <a:sym typeface="Arial"/>
-              </a:rPr>
-              <a:t>Constraints within solution space</a:t>
-            </a:r>
-            <a:endParaRPr sz="1400">
-              <a:solidFill>
-                <a:srgbClr val="000000"/>
-              </a:solidFill>
-              <a:latin typeface="Arial"/>
-              <a:ea typeface="Arial"/>
-              <a:cs typeface="Arial"/>
-              <a:sym typeface="Arial"/>
-            </a:endParaRPr>
-          </a:p>
-        </p:txBody>
-      </p:sp>
-      <p:sp>
-        <p:nvSpPr>
-          <p:cNvPr id="26" name="Google Shape;26;p1"/>
-          <p:cNvSpPr/>
-          <p:nvPr/>
-        </p:nvSpPr>
-        <p:spPr>
-          <a:xfrm>
-            <a:off x="6192376" y="3207097"/>
-            <a:ext cx="288315" cy="288315"/>
-          </a:xfrm>
-          <a:prstGeom prst="rect">
-            <a:avLst/>
-          </a:prstGeom>
-          <a:solidFill>
-            <a:srgbClr val="F1A205"/>
-          </a:solidFill>
-          <a:ln>
-            <a:noFill/>
-          </a:ln>
-        </p:spPr>
-        <p:txBody>
-          <a:bodyPr spcFirstLastPara="1" wrap="square" lIns="47575" tIns="47575" rIns="47575" bIns="47575" anchor="ctr" anchorCtr="0">
-            <a:noAutofit/>
-          </a:bodyPr>
-          <a:lstStyle/>
-          <a:p>
-            <a:pPr>
-              <a:buClr>
-                <a:srgbClr val="000000"/>
-              </a:buClr>
-              <a:buSzPts val="1428"/>
-            </a:pPr>
-            <a:r>
-              <a:rPr lang="en-AU" sz="1428">
-                <a:solidFill>
-                  <a:schemeClr val="lt1"/>
-                </a:solidFill>
-                <a:latin typeface="Arial"/>
-                <a:ea typeface="Arial"/>
-                <a:cs typeface="Arial"/>
-                <a:sym typeface="Arial"/>
-              </a:rPr>
-              <a:t>5</a:t>
-            </a:r>
-            <a:endParaRPr sz="1400">
-              <a:solidFill>
-                <a:srgbClr val="000000"/>
-              </a:solidFill>
-              <a:latin typeface="Arial"/>
-              <a:ea typeface="Arial"/>
-              <a:cs typeface="Arial"/>
-              <a:sym typeface="Arial"/>
-            </a:endParaRPr>
-          </a:p>
-        </p:txBody>
-      </p:sp>
-      <p:sp>
-        <p:nvSpPr>
-          <p:cNvPr id="27" name="Google Shape;27;p1"/>
-          <p:cNvSpPr/>
-          <p:nvPr/>
-        </p:nvSpPr>
-        <p:spPr>
-          <a:xfrm>
-            <a:off x="1529187" y="4073989"/>
-            <a:ext cx="288315" cy="288315"/>
-          </a:xfrm>
-          <a:prstGeom prst="rect">
-            <a:avLst/>
-          </a:prstGeom>
-          <a:solidFill>
-            <a:srgbClr val="F1A205"/>
-          </a:solidFill>
-          <a:ln>
-            <a:noFill/>
-          </a:ln>
-        </p:spPr>
-        <p:txBody>
-          <a:bodyPr spcFirstLastPara="1" wrap="square" lIns="47575" tIns="47575" rIns="47575" bIns="47575" anchor="ctr" anchorCtr="0">
-            <a:noAutofit/>
-          </a:bodyPr>
-          <a:lstStyle/>
-          <a:p>
-            <a:pPr>
-              <a:buClr>
-                <a:srgbClr val="000000"/>
-              </a:buClr>
-              <a:buSzPts val="1428"/>
-            </a:pPr>
-            <a:r>
-              <a:rPr lang="en-AU" sz="1428">
-                <a:solidFill>
-                  <a:schemeClr val="lt1"/>
-                </a:solidFill>
-                <a:latin typeface="Arial"/>
-                <a:ea typeface="Arial"/>
-                <a:cs typeface="Arial"/>
-                <a:sym typeface="Arial"/>
-              </a:rPr>
-              <a:t>2</a:t>
-            </a:r>
-            <a:endParaRPr sz="1400">
-              <a:solidFill>
-                <a:srgbClr val="000000"/>
-              </a:solidFill>
-              <a:latin typeface="Arial"/>
-              <a:ea typeface="Arial"/>
-              <a:cs typeface="Arial"/>
-              <a:sym typeface="Arial"/>
-            </a:endParaRPr>
-          </a:p>
-        </p:txBody>
-      </p:sp>
-      <p:sp>
-        <p:nvSpPr>
-          <p:cNvPr id="28" name="Google Shape;28;p1"/>
-          <p:cNvSpPr/>
-          <p:nvPr/>
-        </p:nvSpPr>
-        <p:spPr>
-          <a:xfrm>
-            <a:off x="1911445" y="4106045"/>
-            <a:ext cx="3597454" cy="224203"/>
-          </a:xfrm>
-          <a:prstGeom prst="rect">
-            <a:avLst/>
-          </a:prstGeom>
-          <a:noFill/>
-          <a:ln>
-            <a:noFill/>
-          </a:ln>
-        </p:spPr>
-        <p:txBody>
-          <a:bodyPr spcFirstLastPara="1" wrap="square" lIns="0" tIns="0" rIns="0" bIns="0" anchor="ctr" anchorCtr="0">
-            <a:noAutofit/>
-          </a:bodyPr>
-          <a:lstStyle/>
-          <a:p>
-            <a:pPr>
-              <a:buClr>
-                <a:srgbClr val="000000"/>
-              </a:buClr>
-              <a:buSzPts val="1428"/>
-            </a:pPr>
-            <a:r>
-              <a:rPr lang="en-AU" sz="1428" dirty="0">
-                <a:solidFill>
-                  <a:schemeClr val="dk1"/>
-                </a:solidFill>
-                <a:latin typeface="Arial"/>
-                <a:ea typeface="Arial"/>
-                <a:cs typeface="Arial"/>
-                <a:sym typeface="Arial"/>
-              </a:rPr>
-              <a:t>Criteria for success</a:t>
-            </a:r>
-            <a:endParaRPr sz="1400" dirty="0">
-              <a:solidFill>
-                <a:srgbClr val="000000"/>
-              </a:solidFill>
-              <a:latin typeface="Arial"/>
-              <a:ea typeface="Arial"/>
-              <a:cs typeface="Arial"/>
-              <a:sym typeface="Arial"/>
-            </a:endParaRPr>
-          </a:p>
-        </p:txBody>
-      </p:sp>
-      <p:sp>
-        <p:nvSpPr>
-          <p:cNvPr id="29" name="Google Shape;29;p1"/>
-          <p:cNvSpPr/>
-          <p:nvPr/>
-        </p:nvSpPr>
-        <p:spPr>
-          <a:xfrm>
-            <a:off x="6574634" y="3239153"/>
-            <a:ext cx="3597454" cy="224203"/>
-          </a:xfrm>
-          <a:prstGeom prst="rect">
-            <a:avLst/>
-          </a:prstGeom>
-          <a:noFill/>
-          <a:ln>
-            <a:noFill/>
-          </a:ln>
-        </p:spPr>
-        <p:txBody>
-          <a:bodyPr spcFirstLastPara="1" wrap="square" lIns="0" tIns="0" rIns="0" bIns="0" anchor="ctr" anchorCtr="0">
-            <a:noAutofit/>
-          </a:bodyPr>
-          <a:lstStyle/>
-          <a:p>
-            <a:pPr>
-              <a:buClr>
-                <a:srgbClr val="000000"/>
-              </a:buClr>
-              <a:buSzPts val="1428"/>
-            </a:pPr>
-            <a:r>
-              <a:rPr lang="en-AU" sz="1428">
-                <a:solidFill>
-                  <a:schemeClr val="dk1"/>
-                </a:solidFill>
-                <a:latin typeface="Arial"/>
-                <a:ea typeface="Arial"/>
-                <a:cs typeface="Arial"/>
-                <a:sym typeface="Arial"/>
-              </a:rPr>
-              <a:t>Stakeholders to provide key insight</a:t>
-            </a:r>
-            <a:endParaRPr sz="1400">
-              <a:solidFill>
-                <a:srgbClr val="000000"/>
-              </a:solidFill>
-              <a:latin typeface="Arial"/>
-              <a:ea typeface="Arial"/>
-              <a:cs typeface="Arial"/>
-              <a:sym typeface="Arial"/>
-            </a:endParaRPr>
-          </a:p>
-        </p:txBody>
-      </p:sp>
-      <p:sp>
-        <p:nvSpPr>
-          <p:cNvPr id="30" name="Google Shape;30;p1"/>
-          <p:cNvSpPr/>
-          <p:nvPr/>
-        </p:nvSpPr>
-        <p:spPr>
-          <a:xfrm>
-            <a:off x="1552937" y="4797686"/>
-            <a:ext cx="288315" cy="288315"/>
-          </a:xfrm>
-          <a:prstGeom prst="rect">
-            <a:avLst/>
-          </a:prstGeom>
-          <a:solidFill>
-            <a:srgbClr val="F1A205"/>
-          </a:solidFill>
-          <a:ln>
-            <a:noFill/>
-          </a:ln>
-        </p:spPr>
-        <p:txBody>
-          <a:bodyPr spcFirstLastPara="1" wrap="square" lIns="47575" tIns="47575" rIns="47575" bIns="47575" anchor="ctr" anchorCtr="0">
-            <a:noAutofit/>
-          </a:bodyPr>
-          <a:lstStyle/>
-          <a:p>
-            <a:pPr>
-              <a:buClr>
-                <a:srgbClr val="000000"/>
-              </a:buClr>
-              <a:buSzPts val="1428"/>
-            </a:pPr>
-            <a:r>
-              <a:rPr lang="en-AU" sz="1428">
-                <a:solidFill>
-                  <a:schemeClr val="lt1"/>
-                </a:solidFill>
-                <a:latin typeface="Arial"/>
-                <a:ea typeface="Arial"/>
-                <a:cs typeface="Arial"/>
-                <a:sym typeface="Arial"/>
-              </a:rPr>
-              <a:t>3</a:t>
-            </a:r>
-            <a:endParaRPr sz="1400">
-              <a:solidFill>
-                <a:srgbClr val="000000"/>
-              </a:solidFill>
-              <a:latin typeface="Arial"/>
-              <a:ea typeface="Arial"/>
-              <a:cs typeface="Arial"/>
-              <a:sym typeface="Arial"/>
-            </a:endParaRPr>
-          </a:p>
-        </p:txBody>
-      </p:sp>
-      <p:sp>
-        <p:nvSpPr>
-          <p:cNvPr id="31" name="Google Shape;31;p1"/>
-          <p:cNvSpPr/>
-          <p:nvPr/>
-        </p:nvSpPr>
-        <p:spPr>
-          <a:xfrm>
-            <a:off x="6192376" y="4797686"/>
-            <a:ext cx="288315" cy="288315"/>
-          </a:xfrm>
-          <a:prstGeom prst="rect">
-            <a:avLst/>
-          </a:prstGeom>
-          <a:solidFill>
-            <a:srgbClr val="F1A205"/>
-          </a:solidFill>
-          <a:ln>
-            <a:noFill/>
-          </a:ln>
-        </p:spPr>
-        <p:txBody>
-          <a:bodyPr spcFirstLastPara="1" wrap="square" lIns="47575" tIns="47575" rIns="47575" bIns="47575" anchor="ctr" anchorCtr="0">
-            <a:noAutofit/>
-          </a:bodyPr>
-          <a:lstStyle/>
-          <a:p>
-            <a:pPr>
-              <a:buClr>
-                <a:srgbClr val="000000"/>
-              </a:buClr>
-              <a:buSzPts val="1428"/>
-            </a:pPr>
-            <a:r>
-              <a:rPr lang="en-AU" sz="1428">
-                <a:solidFill>
-                  <a:schemeClr val="lt1"/>
-                </a:solidFill>
-                <a:latin typeface="Arial"/>
-                <a:ea typeface="Arial"/>
-                <a:cs typeface="Arial"/>
-                <a:sym typeface="Arial"/>
-              </a:rPr>
-              <a:t>6</a:t>
-            </a:r>
-            <a:endParaRPr sz="1400">
-              <a:solidFill>
-                <a:srgbClr val="000000"/>
-              </a:solidFill>
-              <a:latin typeface="Arial"/>
-              <a:ea typeface="Arial"/>
-              <a:cs typeface="Arial"/>
-              <a:sym typeface="Arial"/>
-            </a:endParaRPr>
-          </a:p>
-        </p:txBody>
-      </p:sp>
-      <p:sp>
-        <p:nvSpPr>
-          <p:cNvPr id="32" name="Google Shape;32;p1"/>
-          <p:cNvSpPr/>
-          <p:nvPr/>
-        </p:nvSpPr>
-        <p:spPr>
-          <a:xfrm>
-            <a:off x="1935195" y="4831972"/>
-            <a:ext cx="3597454" cy="219740"/>
-          </a:xfrm>
-          <a:prstGeom prst="rect">
-            <a:avLst/>
-          </a:prstGeom>
-          <a:noFill/>
-          <a:ln>
-            <a:noFill/>
-          </a:ln>
-        </p:spPr>
-        <p:txBody>
-          <a:bodyPr spcFirstLastPara="1" wrap="square" lIns="0" tIns="0" rIns="0" bIns="0" anchor="ctr" anchorCtr="0">
-            <a:noAutofit/>
-          </a:bodyPr>
-          <a:lstStyle/>
-          <a:p>
-            <a:pPr>
-              <a:buClr>
-                <a:srgbClr val="000000"/>
-              </a:buClr>
-              <a:buSzPts val="1428"/>
-            </a:pPr>
-            <a:r>
-              <a:rPr lang="en-AU" sz="1428" dirty="0">
-                <a:solidFill>
-                  <a:schemeClr val="dk1"/>
-                </a:solidFill>
-                <a:latin typeface="Arial"/>
-                <a:ea typeface="Arial"/>
-                <a:cs typeface="Arial"/>
-                <a:sym typeface="Arial"/>
-              </a:rPr>
-              <a:t>Scope of solution space </a:t>
-            </a:r>
-            <a:endParaRPr sz="1400" dirty="0">
-              <a:solidFill>
-                <a:srgbClr val="000000"/>
-              </a:solidFill>
-              <a:latin typeface="Arial"/>
-              <a:ea typeface="Arial"/>
-              <a:cs typeface="Arial"/>
-              <a:sym typeface="Arial"/>
-            </a:endParaRPr>
-          </a:p>
-        </p:txBody>
-      </p:sp>
-      <p:sp>
-        <p:nvSpPr>
-          <p:cNvPr id="33" name="Google Shape;33;p1"/>
-          <p:cNvSpPr/>
-          <p:nvPr/>
-        </p:nvSpPr>
-        <p:spPr>
-          <a:xfrm>
-            <a:off x="6574634" y="4829742"/>
-            <a:ext cx="3597454" cy="224203"/>
-          </a:xfrm>
-          <a:prstGeom prst="rect">
-            <a:avLst/>
-          </a:prstGeom>
-          <a:noFill/>
-          <a:ln>
-            <a:noFill/>
-          </a:ln>
-        </p:spPr>
-        <p:txBody>
-          <a:bodyPr spcFirstLastPara="1" wrap="square" lIns="0" tIns="0" rIns="0" bIns="0" anchor="ctr" anchorCtr="0">
-            <a:noAutofit/>
-          </a:bodyPr>
-          <a:lstStyle/>
-          <a:p>
-            <a:pPr>
-              <a:buClr>
-                <a:srgbClr val="000000"/>
-              </a:buClr>
-              <a:buSzPts val="1428"/>
-            </a:pPr>
-            <a:r>
-              <a:rPr lang="en-AU" sz="1428">
-                <a:solidFill>
-                  <a:schemeClr val="dk1"/>
-                </a:solidFill>
-              </a:rPr>
-              <a:t>Key</a:t>
-            </a:r>
-            <a:r>
-              <a:rPr lang="en-AU" sz="1428">
-                <a:solidFill>
-                  <a:schemeClr val="dk1"/>
-                </a:solidFill>
-                <a:latin typeface="Arial"/>
-                <a:ea typeface="Arial"/>
-                <a:cs typeface="Arial"/>
-                <a:sym typeface="Arial"/>
-              </a:rPr>
-              <a:t> data sources </a:t>
-            </a:r>
-            <a:endParaRPr sz="1400">
-              <a:solidFill>
-                <a:srgbClr val="000000"/>
-              </a:solidFill>
-              <a:latin typeface="Arial"/>
-              <a:ea typeface="Arial"/>
-              <a:cs typeface="Arial"/>
-              <a:sym typeface="Arial"/>
-            </a:endParaRPr>
-          </a:p>
-        </p:txBody>
-      </p:sp>
-      <p:sp>
-        <p:nvSpPr>
-          <p:cNvPr id="34" name="Google Shape;34;p1"/>
-          <p:cNvSpPr txBox="1"/>
-          <p:nvPr/>
-        </p:nvSpPr>
-        <p:spPr>
-          <a:xfrm>
-            <a:off x="1710842" y="1852008"/>
-            <a:ext cx="4324418" cy="1824054"/>
-          </a:xfrm>
-          <a:prstGeom prst="rect">
-            <a:avLst/>
-          </a:prstGeom>
-          <a:noFill/>
-          <a:ln>
-            <a:noFill/>
-          </a:ln>
-        </p:spPr>
-        <p:txBody>
-          <a:bodyPr spcFirstLastPara="1" wrap="square" lIns="91425" tIns="45700" rIns="91425" bIns="45700" anchor="t" anchorCtr="0">
-            <a:noAutofit/>
-          </a:bodyPr>
-          <a:lstStyle/>
-          <a:p>
-            <a:r>
-              <a:rPr lang="en-US" sz="1200" kern="100" dirty="0">
-                <a:effectLst/>
-                <a:latin typeface="Calibri" panose="020F0502020204030204" pitchFamily="34" charset="0"/>
-                <a:ea typeface="Calibri" panose="020F0502020204030204" pitchFamily="34" charset="0"/>
-                <a:cs typeface="Times New Roman" panose="02020603050405020304" pitchFamily="18" charset="0"/>
-              </a:rPr>
-              <a:t>Fannie Mae provides lenders with a reliable source of affordable mortgage financing across the country.  Fannie Mae do not originate loans or lend money directly to borrowers, instead it acquires mortgage loans made by lenders and then issue guaranteed mortgage-backed securities (MBS). In the ideal case, someone borrows money from a lender, then repays the loan until the balance is zero. However, some borrowers miss multiple payments, which can cause foreclosure. The process of foreclosure can be very lengthy and cost additional money to the FNMA. The goal is here is to build a predictable model to show whether or not loans acquired by Fannie Mae will go in to foreclosure.</a:t>
-            </a:r>
-          </a:p>
-          <a:p>
-            <a:r>
-              <a:rPr lang="en-US" sz="1200" dirty="0"/>
-              <a:t>. </a:t>
-            </a:r>
-          </a:p>
-          <a:p>
-            <a:endParaRPr sz="1200" dirty="0"/>
-          </a:p>
-        </p:txBody>
-      </p:sp>
-      <p:sp>
-        <p:nvSpPr>
-          <p:cNvPr id="35" name="Google Shape;35;p1"/>
-          <p:cNvSpPr txBox="1"/>
-          <p:nvPr/>
-        </p:nvSpPr>
-        <p:spPr>
-          <a:xfrm>
-            <a:off x="1732719" y="4369566"/>
-            <a:ext cx="4324418" cy="513277"/>
-          </a:xfrm>
-          <a:prstGeom prst="rect">
-            <a:avLst/>
-          </a:prstGeom>
-          <a:noFill/>
-          <a:ln>
-            <a:noFill/>
-          </a:ln>
-        </p:spPr>
-        <p:txBody>
-          <a:bodyPr spcFirstLastPara="1" wrap="square" lIns="91425" tIns="45700" rIns="91425" bIns="45700" anchor="t" anchorCtr="0">
-            <a:noAutofit/>
-          </a:bodyPr>
-          <a:lstStyle/>
-          <a:p>
-            <a:pPr marL="342900" marR="0" lvl="0" indent="-342900">
-              <a:lnSpc>
-                <a:spcPct val="107000"/>
-              </a:lnSpc>
-              <a:spcBef>
-                <a:spcPts val="0"/>
-              </a:spcBef>
-              <a:spcAft>
-                <a:spcPts val="800"/>
-              </a:spcAft>
-              <a:buFont typeface="Symbol" panose="05050102010706020507" pitchFamily="18" charset="2"/>
-              <a:buChar char=""/>
-            </a:pPr>
-            <a:r>
-              <a:rPr lang="en-US" sz="1200" kern="100" dirty="0">
-                <a:effectLst/>
-                <a:latin typeface="Calibri" panose="020F0502020204030204" pitchFamily="34" charset="0"/>
-                <a:ea typeface="Calibri" panose="020F0502020204030204" pitchFamily="34" charset="0"/>
-                <a:cs typeface="Times New Roman" panose="02020603050405020304" pitchFamily="18" charset="0"/>
-              </a:rPr>
-              <a:t>Predict whether loan will be foreclosed on in the future </a:t>
-            </a:r>
-          </a:p>
-        </p:txBody>
-      </p:sp>
-      <p:sp>
-        <p:nvSpPr>
-          <p:cNvPr id="36" name="Google Shape;36;p1"/>
-          <p:cNvSpPr txBox="1"/>
-          <p:nvPr/>
-        </p:nvSpPr>
-        <p:spPr>
-          <a:xfrm>
-            <a:off x="1710842" y="5184805"/>
-            <a:ext cx="4324418" cy="751488"/>
-          </a:xfrm>
-          <a:prstGeom prst="rect">
-            <a:avLst/>
-          </a:prstGeom>
-          <a:noFill/>
-          <a:ln>
-            <a:noFill/>
-          </a:ln>
-        </p:spPr>
-        <p:txBody>
-          <a:bodyPr spcFirstLastPara="1" wrap="square" lIns="91425" tIns="45700" rIns="91425" bIns="45700" anchor="t" anchorCtr="0">
-            <a:noAutofit/>
-          </a:bodyPr>
-          <a:lstStyle>
-            <a:defPPr>
-              <a:defRPr lang="en-US"/>
-            </a:defPPr>
-            <a:lvl1pPr marL="342900" marR="0" lvl="0" indent="-342900">
-              <a:lnSpc>
-                <a:spcPct val="107000"/>
-              </a:lnSpc>
-              <a:spcBef>
-                <a:spcPts val="0"/>
-              </a:spcBef>
-              <a:spcAft>
-                <a:spcPts val="800"/>
-              </a:spcAft>
-              <a:buFont typeface="Symbol" panose="05050102010706020507" pitchFamily="18" charset="2"/>
-              <a:buChar char=""/>
-              <a:defRPr sz="1200" kern="100">
-                <a:effectLst/>
-                <a:latin typeface="Calibri" panose="020F0502020204030204" pitchFamily="34" charset="0"/>
-                <a:ea typeface="Calibri" panose="020F0502020204030204" pitchFamily="34" charset="0"/>
-                <a:cs typeface="Times New Roman" panose="02020603050405020304" pitchFamily="18" charset="0"/>
-              </a:defRPr>
-            </a:lvl1pPr>
-          </a:lstStyle>
-          <a:p>
-            <a:r>
-              <a:rPr lang="en-US" dirty="0"/>
-              <a:t>For building the predicting model 2016-2017 year data considered</a:t>
-            </a:r>
-          </a:p>
-          <a:p>
-            <a:pPr marL="0" indent="0">
-              <a:buNone/>
-            </a:pPr>
-            <a:endParaRPr dirty="0">
-              <a:sym typeface="Arial"/>
-            </a:endParaRPr>
-          </a:p>
-        </p:txBody>
-      </p:sp>
-      <p:sp>
-        <p:nvSpPr>
-          <p:cNvPr id="37" name="Google Shape;37;p1"/>
-          <p:cNvSpPr txBox="1"/>
-          <p:nvPr/>
-        </p:nvSpPr>
-        <p:spPr>
-          <a:xfrm>
-            <a:off x="6574634" y="2024842"/>
-            <a:ext cx="4324418" cy="1100294"/>
-          </a:xfrm>
-          <a:prstGeom prst="rect">
-            <a:avLst/>
-          </a:prstGeom>
-          <a:noFill/>
-          <a:ln>
-            <a:noFill/>
-          </a:ln>
-        </p:spPr>
-        <p:txBody>
-          <a:bodyPr spcFirstLastPara="1" wrap="square" lIns="91425" tIns="45700" rIns="91425" bIns="45700" anchor="t" anchorCtr="0">
-            <a:noAutofit/>
-          </a:bodyPr>
-          <a:lstStyle>
-            <a:defPPr>
-              <a:defRPr lang="en-US"/>
-            </a:defPPr>
-            <a:lvl1pPr>
-              <a:defRPr sz="1200" kern="100">
-                <a:effectLst/>
-                <a:latin typeface="Calibri" panose="020F0502020204030204" pitchFamily="34" charset="0"/>
-                <a:ea typeface="Calibri" panose="020F0502020204030204" pitchFamily="34" charset="0"/>
-                <a:cs typeface="Times New Roman" panose="02020603050405020304" pitchFamily="18" charset="0"/>
-              </a:defRPr>
-            </a:lvl1pPr>
-          </a:lstStyle>
-          <a:p>
-            <a:r>
-              <a:rPr lang="en-US" dirty="0"/>
-              <a:t>predicting model is built using only information that is </a:t>
-            </a:r>
-          </a:p>
-          <a:p>
-            <a:r>
-              <a:rPr lang="en-US" dirty="0"/>
-              <a:t>available when the loan was acquired</a:t>
-            </a:r>
-          </a:p>
-        </p:txBody>
-      </p:sp>
-      <p:sp>
-        <p:nvSpPr>
-          <p:cNvPr id="38" name="Google Shape;38;p1"/>
-          <p:cNvSpPr txBox="1"/>
-          <p:nvPr/>
-        </p:nvSpPr>
-        <p:spPr>
-          <a:xfrm>
-            <a:off x="6516316" y="5125009"/>
-            <a:ext cx="4324418" cy="1081065"/>
-          </a:xfrm>
-          <a:prstGeom prst="rect">
-            <a:avLst/>
-          </a:prstGeom>
-          <a:noFill/>
-          <a:ln>
-            <a:noFill/>
-          </a:ln>
-        </p:spPr>
-        <p:txBody>
-          <a:bodyPr spcFirstLastPara="1" wrap="square" lIns="91425" tIns="45700" rIns="91425" bIns="45700" anchor="t" anchorCtr="0">
-            <a:noAutofit/>
-          </a:bodyPr>
-          <a:lstStyle/>
-          <a:p>
-            <a:endParaRPr lang="en-AU" sz="1070" dirty="0"/>
-          </a:p>
-          <a:p>
-            <a:r>
-              <a:rPr lang="en-AU" sz="1070" dirty="0"/>
-              <a:t>CSV file downloaded from FNMA website</a:t>
-            </a:r>
-            <a:endParaRPr sz="1070" dirty="0">
-              <a:solidFill>
-                <a:srgbClr val="000000"/>
-              </a:solidFill>
-              <a:latin typeface="Arial"/>
-              <a:ea typeface="Arial"/>
-              <a:cs typeface="Arial"/>
-              <a:sym typeface="Arial"/>
-            </a:endParaRPr>
-          </a:p>
-        </p:txBody>
-      </p:sp>
-      <p:sp>
-        <p:nvSpPr>
-          <p:cNvPr id="45" name="Google Shape;45;p1"/>
-          <p:cNvSpPr/>
-          <p:nvPr/>
-        </p:nvSpPr>
-        <p:spPr>
-          <a:xfrm>
-            <a:off x="1645750" y="116632"/>
-            <a:ext cx="7724912" cy="1137079"/>
-          </a:xfrm>
-          <a:prstGeom prst="wedgeRectCallout">
-            <a:avLst>
-              <a:gd name="adj1" fmla="val 53513"/>
-              <a:gd name="adj2" fmla="val 6588"/>
-            </a:avLst>
-          </a:prstGeom>
-          <a:solidFill>
-            <a:srgbClr val="FEF2DA"/>
-          </a:solidFill>
-          <a:ln>
-            <a:noFill/>
-          </a:ln>
-        </p:spPr>
-        <p:txBody>
-          <a:bodyPr spcFirstLastPara="1" wrap="square" lIns="91425" tIns="45700" rIns="91425" bIns="45700" anchor="ctr" anchorCtr="0">
-            <a:noAutofit/>
-          </a:bodyPr>
-          <a:lstStyle/>
-          <a:p>
-            <a:pPr algn="ctr">
-              <a:buClr>
-                <a:srgbClr val="000000"/>
-              </a:buClr>
-              <a:buSzPts val="1800"/>
-            </a:pPr>
-            <a:endParaRPr>
-              <a:solidFill>
-                <a:schemeClr val="dk1"/>
-              </a:solidFill>
-              <a:latin typeface="Arial"/>
-              <a:ea typeface="Arial"/>
-              <a:cs typeface="Arial"/>
-              <a:sym typeface="Arial"/>
-            </a:endParaRPr>
-          </a:p>
-        </p:txBody>
-      </p:sp>
-      <p:sp>
-        <p:nvSpPr>
-          <p:cNvPr id="46" name="Google Shape;46;p1"/>
-          <p:cNvSpPr txBox="1">
-            <a:spLocks noGrp="1"/>
-          </p:cNvSpPr>
-          <p:nvPr>
-            <p:ph type="title"/>
-          </p:nvPr>
-        </p:nvSpPr>
-        <p:spPr>
-          <a:xfrm>
-            <a:off x="1708140" y="189591"/>
-            <a:ext cx="8793596" cy="307777"/>
-          </a:xfrm>
-          <a:prstGeom prst="rect">
-            <a:avLst/>
-          </a:prstGeom>
-          <a:noFill/>
-          <a:ln>
-            <a:noFill/>
-          </a:ln>
-        </p:spPr>
-        <p:txBody>
-          <a:bodyPr spcFirstLastPara="1" vert="horz" wrap="square" lIns="0" tIns="0" rIns="0" bIns="0" rtlCol="0" anchor="t" anchorCtr="0">
-            <a:noAutofit/>
-          </a:bodyPr>
-          <a:lstStyle/>
-          <a:p>
-            <a:r>
-              <a:rPr lang="en-AU" sz="2000" dirty="0">
-                <a:solidFill>
-                  <a:srgbClr val="29748D"/>
-                </a:solidFill>
-                <a:latin typeface="Quattrocento Sans"/>
-                <a:ea typeface="Quattrocento Sans"/>
-                <a:cs typeface="Quattrocento Sans"/>
-                <a:sym typeface="Quattrocento Sans"/>
-              </a:rPr>
-              <a:t>Problem Statement Worksheet (Hypothesis Formation)</a:t>
-            </a:r>
-            <a:endParaRPr dirty="0"/>
-          </a:p>
-        </p:txBody>
-      </p:sp>
-      <p:sp>
-        <p:nvSpPr>
-          <p:cNvPr id="47" name="Google Shape;47;p1"/>
-          <p:cNvSpPr txBox="1"/>
-          <p:nvPr/>
-        </p:nvSpPr>
-        <p:spPr>
-          <a:xfrm>
-            <a:off x="6480691" y="3677613"/>
-            <a:ext cx="4324418" cy="1081065"/>
-          </a:xfrm>
-          <a:prstGeom prst="rect">
-            <a:avLst/>
-          </a:prstGeom>
-          <a:noFill/>
-          <a:ln>
-            <a:noFill/>
-          </a:ln>
-        </p:spPr>
-        <p:txBody>
-          <a:bodyPr spcFirstLastPara="1" wrap="square" lIns="91425" tIns="45700" rIns="91425" bIns="45700" anchor="t" anchorCtr="0">
-            <a:noAutofit/>
-          </a:bodyPr>
-          <a:lstStyle/>
-          <a:p>
-            <a:pPr marL="171450" indent="-171450">
-              <a:buFont typeface="Arial" panose="020B0604020202020204" pitchFamily="34" charset="0"/>
-              <a:buChar char="•"/>
-            </a:pPr>
-            <a:r>
-              <a:rPr lang="en-AU" sz="1071" dirty="0"/>
-              <a:t>FNMA</a:t>
-            </a:r>
-            <a:endParaRPr sz="1400" dirty="0">
-              <a:solidFill>
-                <a:srgbClr val="000000"/>
-              </a:solidFill>
-              <a:latin typeface="Arial"/>
-              <a:ea typeface="Arial"/>
-              <a:cs typeface="Arial"/>
-              <a:sym typeface="Arial"/>
-            </a:endParaRPr>
-          </a:p>
-        </p:txBody>
-      </p:sp>
-      <p:sp>
-        <p:nvSpPr>
-          <p:cNvPr id="48" name="Google Shape;48;p1"/>
-          <p:cNvSpPr txBox="1"/>
-          <p:nvPr/>
-        </p:nvSpPr>
-        <p:spPr>
-          <a:xfrm>
-            <a:off x="1215882" y="539382"/>
-            <a:ext cx="8584648" cy="492443"/>
-          </a:xfrm>
-          <a:prstGeom prst="rect">
-            <a:avLst/>
-          </a:prstGeom>
-          <a:noFill/>
-          <a:ln>
-            <a:noFill/>
-          </a:ln>
-        </p:spPr>
-        <p:txBody>
-          <a:bodyPr spcFirstLastPara="1" wrap="square" lIns="91425" tIns="45700" rIns="91425" bIns="45700" anchor="t" anchorCtr="0">
-            <a:noAutofit/>
-          </a:bodyPr>
-          <a:lstStyle/>
-          <a:p>
-            <a:pPr>
-              <a:buClr>
-                <a:srgbClr val="000000"/>
-              </a:buClr>
-              <a:buSzPts val="1400"/>
-            </a:pPr>
-            <a:r>
-              <a:rPr lang="en-US" b="1" dirty="0"/>
-              <a:t>What standards should FNMA look for when acquiring loans in order to reduce the likelihood of a foreclosure?</a:t>
-            </a:r>
-          </a:p>
-          <a:p>
-            <a:pPr>
-              <a:buClr>
-                <a:srgbClr val="000000"/>
-              </a:buClr>
-              <a:buSzPts val="1400"/>
-            </a:pPr>
-            <a:endParaRPr lang="en-US" b="1" dirty="0"/>
-          </a:p>
-        </p:txBody>
-      </p:sp>
-    </p:spTree>
-  </p:cSld>
-  <p:clrMapOvr>
-    <a:masterClrMapping/>
-  </p:clrMapOvr>
-</p:sld>
-</file>
-
-<file path=ppt/slides/slide3.xml><?xml version="1.0" encoding="utf-8"?>
-<p:sld xmlns:a="http://schemas.openxmlformats.org/drawingml/2006/main" xmlns:r="http://schemas.openxmlformats.org/officeDocument/2006/relationships" xmlns:p="http://schemas.openxmlformats.org/presentationml/2006/main">
-  <p:cSld>
-    <p:spTree>
-      <p:nvGrpSpPr>
-        <p:cNvPr id="1" name=""/>
-        <p:cNvGrpSpPr/>
-        <p:nvPr/>
-      </p:nvGrpSpPr>
-      <p:grpSpPr>
-        <a:xfrm>
-          <a:off x="0" y="0"/>
-          <a:ext cx="0" cy="0"/>
-          <a:chOff x="0" y="0"/>
-          <a:chExt cx="0" cy="0"/>
-        </a:xfrm>
-      </p:grpSpPr>
-      <p:pic>
-        <p:nvPicPr>
-          <p:cNvPr id="5" name="Picture 4">
-            <a:extLst>
-              <a:ext uri="{FF2B5EF4-FFF2-40B4-BE49-F238E27FC236}">
-                <a16:creationId xmlns:a16="http://schemas.microsoft.com/office/drawing/2014/main" id="{741F69DE-6F68-8D6A-CBA7-DDE1D10557CB}"/>
-              </a:ext>
-            </a:extLst>
-          </p:cNvPr>
-          <p:cNvPicPr>
-            <a:picLocks noChangeAspect="1"/>
-          </p:cNvPicPr>
-          <p:nvPr/>
-        </p:nvPicPr>
-        <p:blipFill>
-          <a:blip r:embed="rId2"/>
-          <a:stretch>
-            <a:fillRect/>
-          </a:stretch>
-        </p:blipFill>
-        <p:spPr>
-          <a:xfrm>
-            <a:off x="0" y="2030679"/>
-            <a:ext cx="6721434" cy="4233553"/>
-          </a:xfrm>
-          <a:prstGeom prst="rect">
-            <a:avLst/>
-          </a:prstGeom>
-        </p:spPr>
-      </p:pic>
-      <p:pic>
-        <p:nvPicPr>
-          <p:cNvPr id="6" name="Picture 5">
-            <a:extLst>
-              <a:ext uri="{FF2B5EF4-FFF2-40B4-BE49-F238E27FC236}">
-                <a16:creationId xmlns:a16="http://schemas.microsoft.com/office/drawing/2014/main" id="{ADF42FAF-4CCC-B035-6F8B-3FB716911D6D}"/>
-              </a:ext>
-            </a:extLst>
-          </p:cNvPr>
-          <p:cNvPicPr>
-            <a:picLocks noChangeAspect="1"/>
-          </p:cNvPicPr>
-          <p:nvPr/>
-        </p:nvPicPr>
-        <p:blipFill>
-          <a:blip r:embed="rId3"/>
-          <a:stretch>
-            <a:fillRect/>
-          </a:stretch>
-        </p:blipFill>
-        <p:spPr>
-          <a:xfrm>
-            <a:off x="6495088" y="2030678"/>
-            <a:ext cx="6649362" cy="4233553"/>
-          </a:xfrm>
-          <a:prstGeom prst="rect">
-            <a:avLst/>
-          </a:prstGeom>
-        </p:spPr>
-      </p:pic>
-      <p:sp>
-        <p:nvSpPr>
-          <p:cNvPr id="8" name="Title 1">
-            <a:extLst>
-              <a:ext uri="{FF2B5EF4-FFF2-40B4-BE49-F238E27FC236}">
-                <a16:creationId xmlns:a16="http://schemas.microsoft.com/office/drawing/2014/main" id="{2BB83459-3108-F9E9-7A42-D9363C83C61F}"/>
-              </a:ext>
-            </a:extLst>
-          </p:cNvPr>
-          <p:cNvSpPr>
-            <a:spLocks noGrp="1"/>
-          </p:cNvSpPr>
-          <p:nvPr>
-            <p:ph type="title"/>
-          </p:nvPr>
-        </p:nvSpPr>
-        <p:spPr>
-          <a:xfrm>
-            <a:off x="1066800" y="0"/>
-            <a:ext cx="10058400" cy="1450757"/>
-          </a:xfrm>
-        </p:spPr>
-        <p:txBody>
-          <a:bodyPr/>
-          <a:lstStyle/>
-          <a:p>
-            <a:pPr algn="ctr"/>
-            <a:r>
-              <a:rPr lang="en-US" dirty="0">
-                <a:latin typeface="Algerian" panose="04020705040A02060702" pitchFamily="82" charset="0"/>
-              </a:rPr>
-              <a:t>Data Set </a:t>
-            </a:r>
-            <a:r>
-              <a:rPr lang="en-US" dirty="0" err="1">
-                <a:latin typeface="Algerian" panose="04020705040A02060702" pitchFamily="82" charset="0"/>
-              </a:rPr>
-              <a:t>DetaiLS</a:t>
-            </a:r>
-            <a:endParaRPr lang="en-US" dirty="0">
-              <a:latin typeface="Algerian" panose="04020705040A02060702" pitchFamily="82" charset="0"/>
-            </a:endParaRPr>
-          </a:p>
-        </p:txBody>
-      </p:sp>
-    </p:spTree>
-    <p:extLst>
-      <p:ext uri="{BB962C8B-B14F-4D97-AF65-F5344CB8AC3E}">
-        <p14:creationId xmlns:p14="http://schemas.microsoft.com/office/powerpoint/2010/main" val="3965404670"/>
-      </p:ext>
-    </p:extLst>
-  </p:cSld>
-  <p:clrMapOvr>
-    <a:masterClrMapping/>
-  </p:clrMapOvr>
-</p:sld>
-</file>
-
-<file path=ppt/slides/slide4.xml><?xml version="1.0" encoding="utf-8"?>
-<p:sld xmlns:a="http://schemas.openxmlformats.org/drawingml/2006/main" xmlns:r="http://schemas.openxmlformats.org/officeDocument/2006/relationships" xmlns:p="http://schemas.openxmlformats.org/presentationml/2006/main">
-  <p:cSld>
-    <p:spTree>
-      <p:nvGrpSpPr>
-        <p:cNvPr id="1" name=""/>
-        <p:cNvGrpSpPr/>
-        <p:nvPr/>
-      </p:nvGrpSpPr>
-      <p:grpSpPr>
-        <a:xfrm>
-          <a:off x="0" y="0"/>
-          <a:ext cx="0" cy="0"/>
-          <a:chOff x="0" y="0"/>
-          <a:chExt cx="0" cy="0"/>
-        </a:xfrm>
-      </p:grpSpPr>
-      <p:sp>
-        <p:nvSpPr>
-          <p:cNvPr id="2" name="Title 1">
-            <a:extLst>
-              <a:ext uri="{FF2B5EF4-FFF2-40B4-BE49-F238E27FC236}">
-                <a16:creationId xmlns:a16="http://schemas.microsoft.com/office/drawing/2014/main" id="{7EEF1781-1D66-C0DE-90C1-38FD42833AF9}"/>
-              </a:ext>
-            </a:extLst>
-          </p:cNvPr>
-          <p:cNvSpPr>
-            <a:spLocks noGrp="1"/>
-          </p:cNvSpPr>
-          <p:nvPr>
-            <p:ph type="title"/>
-          </p:nvPr>
-        </p:nvSpPr>
-        <p:spPr>
-          <a:xfrm>
-            <a:off x="1066800" y="-212161"/>
-            <a:ext cx="10058400" cy="1450757"/>
-          </a:xfrm>
-        </p:spPr>
-        <p:txBody>
-          <a:bodyPr/>
-          <a:lstStyle/>
-          <a:p>
-            <a:pPr algn="ctr"/>
-            <a:r>
-              <a:rPr lang="en-US" dirty="0">
-                <a:latin typeface="Algerian" panose="04020705040A02060702" pitchFamily="82" charset="0"/>
-              </a:rPr>
-              <a:t>Data Visualization </a:t>
-            </a:r>
-          </a:p>
-        </p:txBody>
-      </p:sp>
-      <p:pic>
-        <p:nvPicPr>
-          <p:cNvPr id="4" name="Picture 3">
-            <a:extLst>
-              <a:ext uri="{FF2B5EF4-FFF2-40B4-BE49-F238E27FC236}">
-                <a16:creationId xmlns:a16="http://schemas.microsoft.com/office/drawing/2014/main" id="{63C9CF31-5438-3E82-2F80-E40151908C7C}"/>
-              </a:ext>
-            </a:extLst>
-          </p:cNvPr>
-          <p:cNvPicPr>
-            <a:picLocks noChangeAspect="1"/>
-          </p:cNvPicPr>
-          <p:nvPr/>
-        </p:nvPicPr>
-        <p:blipFill>
-          <a:blip r:embed="rId2"/>
-          <a:stretch>
-            <a:fillRect/>
-          </a:stretch>
-        </p:blipFill>
-        <p:spPr>
-          <a:xfrm>
-            <a:off x="2726852" y="1937192"/>
-            <a:ext cx="6738295" cy="4439857"/>
-          </a:xfrm>
-          <a:prstGeom prst="rect">
-            <a:avLst/>
-          </a:prstGeom>
-        </p:spPr>
-      </p:pic>
-    </p:spTree>
-    <p:extLst>
-      <p:ext uri="{BB962C8B-B14F-4D97-AF65-F5344CB8AC3E}">
-        <p14:creationId xmlns:p14="http://schemas.microsoft.com/office/powerpoint/2010/main" val="3921521464"/>
-      </p:ext>
-    </p:extLst>
-  </p:cSld>
-  <p:clrMapOvr>
-    <a:masterClrMapping/>
-  </p:clrMapOvr>
-</p:sld>
-</file>
-
-<file path=ppt/slides/slide5.xml><?xml version="1.0" encoding="utf-8"?>
-<p:sld xmlns:a="http://schemas.openxmlformats.org/drawingml/2006/main" xmlns:r="http://schemas.openxmlformats.org/officeDocument/2006/relationships" xmlns:p="http://schemas.openxmlformats.org/presentationml/2006/main">
-  <p:cSld>
-    <p:spTree>
-      <p:nvGrpSpPr>
-        <p:cNvPr id="1" name=""/>
-        <p:cNvGrpSpPr/>
-        <p:nvPr/>
-      </p:nvGrpSpPr>
-      <p:grpSpPr>
-        <a:xfrm>
-          <a:off x="0" y="0"/>
-          <a:ext cx="0" cy="0"/>
-          <a:chOff x="0" y="0"/>
-          <a:chExt cx="0" cy="0"/>
-        </a:xfrm>
-      </p:grpSpPr>
-      <p:sp>
-        <p:nvSpPr>
-          <p:cNvPr id="2" name="Title 1">
-            <a:extLst>
-              <a:ext uri="{FF2B5EF4-FFF2-40B4-BE49-F238E27FC236}">
-                <a16:creationId xmlns:a16="http://schemas.microsoft.com/office/drawing/2014/main" id="{3179AFA6-74CB-C5EB-A81A-036D85AC59A5}"/>
-              </a:ext>
-            </a:extLst>
-          </p:cNvPr>
-          <p:cNvSpPr>
-            <a:spLocks noGrp="1"/>
-          </p:cNvSpPr>
-          <p:nvPr>
-            <p:ph type="title"/>
-          </p:nvPr>
-        </p:nvSpPr>
-        <p:spPr>
-          <a:xfrm>
-            <a:off x="1066800" y="121129"/>
-            <a:ext cx="10058400" cy="1450757"/>
-          </a:xfrm>
-        </p:spPr>
-        <p:txBody>
-          <a:bodyPr vert="horz" lIns="91440" tIns="45720" rIns="91440" bIns="45720" rtlCol="0" anchor="b">
-            <a:normAutofit/>
-          </a:bodyPr>
-          <a:lstStyle/>
-          <a:p>
-            <a:pPr algn="ctr"/>
-            <a:r>
-              <a:rPr lang="en-US" dirty="0">
-                <a:latin typeface="Algerian" panose="04020705040A02060702" pitchFamily="82" charset="0"/>
-              </a:rPr>
-              <a:t>Probability Density graph </a:t>
-            </a:r>
-          </a:p>
-        </p:txBody>
-      </p:sp>
-      <p:pic>
-        <p:nvPicPr>
-          <p:cNvPr id="4" name="Content Placeholder 3">
-            <a:extLst>
-              <a:ext uri="{FF2B5EF4-FFF2-40B4-BE49-F238E27FC236}">
-                <a16:creationId xmlns:a16="http://schemas.microsoft.com/office/drawing/2014/main" id="{2EB60A29-2521-F4E9-C706-5C3801A9C6D3}"/>
-              </a:ext>
-            </a:extLst>
-          </p:cNvPr>
-          <p:cNvPicPr>
-            <a:picLocks noGrp="1" noChangeAspect="1"/>
-          </p:cNvPicPr>
-          <p:nvPr>
-            <p:ph idx="1"/>
-          </p:nvPr>
-        </p:nvPicPr>
-        <p:blipFill>
-          <a:blip r:embed="rId2"/>
-          <a:stretch>
-            <a:fillRect/>
-          </a:stretch>
-        </p:blipFill>
-        <p:spPr>
-          <a:xfrm>
-            <a:off x="1643616" y="2250704"/>
-            <a:ext cx="7587555" cy="3760788"/>
-          </a:xfrm>
-          <a:prstGeom prst="rect">
-            <a:avLst/>
-          </a:prstGeom>
-        </p:spPr>
-      </p:pic>
-    </p:spTree>
-    <p:extLst>
-      <p:ext uri="{BB962C8B-B14F-4D97-AF65-F5344CB8AC3E}">
-        <p14:creationId xmlns:p14="http://schemas.microsoft.com/office/powerpoint/2010/main" val="3792948492"/>
-      </p:ext>
-    </p:extLst>
-  </p:cSld>
-  <p:clrMapOvr>
-    <a:masterClrMapping/>
-  </p:clrMapOvr>
-</p:sld>
-</file>
-
-<file path=ppt/slides/slide6.xml><?xml version="1.0" encoding="utf-8"?>
-<p:sld xmlns:a="http://schemas.openxmlformats.org/drawingml/2006/main" xmlns:r="http://schemas.openxmlformats.org/officeDocument/2006/relationships" xmlns:p="http://schemas.openxmlformats.org/presentationml/2006/main">
-  <p:cSld>
-    <p:bg>
-      <p:bgRef idx="1001">
-        <a:schemeClr val="bg1"/>
-      </p:bgRef>
-    </p:bg>
-    <p:spTree>
-      <p:nvGrpSpPr>
-        <p:cNvPr id="1" name=""/>
-        <p:cNvGrpSpPr/>
-        <p:nvPr/>
-      </p:nvGrpSpPr>
-      <p:grpSpPr>
-        <a:xfrm>
-          <a:off x="0" y="0"/>
-          <a:ext cx="0" cy="0"/>
-          <a:chOff x="0" y="0"/>
-          <a:chExt cx="0" cy="0"/>
-        </a:xfrm>
-      </p:grpSpPr>
-      <p:sp>
-        <p:nvSpPr>
-          <p:cNvPr id="2" name="Title 1">
-            <a:extLst>
-              <a:ext uri="{FF2B5EF4-FFF2-40B4-BE49-F238E27FC236}">
-                <a16:creationId xmlns:a16="http://schemas.microsoft.com/office/drawing/2014/main" id="{2715B62B-0C0B-28AE-A115-1BC08F2CD3C8}"/>
-              </a:ext>
-            </a:extLst>
-          </p:cNvPr>
-          <p:cNvSpPr>
-            <a:spLocks noGrp="1"/>
-          </p:cNvSpPr>
-          <p:nvPr>
-            <p:ph type="title"/>
-          </p:nvPr>
-        </p:nvSpPr>
-        <p:spPr/>
-        <p:txBody>
-          <a:bodyPr/>
-          <a:lstStyle/>
-          <a:p>
-            <a:pPr algn="ctr"/>
-            <a:r>
-              <a:rPr lang="en-US" dirty="0">
-                <a:latin typeface="Algerian" panose="04020705040A02060702" pitchFamily="82" charset="0"/>
-              </a:rPr>
-              <a:t>Different States data</a:t>
-            </a:r>
-          </a:p>
-        </p:txBody>
-      </p:sp>
-      <p:pic>
-        <p:nvPicPr>
-          <p:cNvPr id="4" name="Content Placeholder 3">
-            <a:extLst>
-              <a:ext uri="{FF2B5EF4-FFF2-40B4-BE49-F238E27FC236}">
-                <a16:creationId xmlns:a16="http://schemas.microsoft.com/office/drawing/2014/main" id="{DED01BE4-FE3F-4653-1667-39B2DD280DDC}"/>
-              </a:ext>
-            </a:extLst>
-          </p:cNvPr>
-          <p:cNvPicPr>
-            <a:picLocks noGrp="1" noChangeAspect="1"/>
-          </p:cNvPicPr>
-          <p:nvPr>
-            <p:ph idx="1"/>
-          </p:nvPr>
-        </p:nvPicPr>
-        <p:blipFill>
-          <a:blip r:embed="rId3"/>
-          <a:stretch>
-            <a:fillRect/>
-          </a:stretch>
-        </p:blipFill>
-        <p:spPr>
-          <a:xfrm>
-            <a:off x="1308596" y="2072574"/>
-            <a:ext cx="9326376" cy="3760788"/>
-          </a:xfrm>
-          <a:prstGeom prst="rect">
-            <a:avLst/>
-          </a:prstGeom>
-        </p:spPr>
-      </p:pic>
-    </p:spTree>
-    <p:extLst>
-      <p:ext uri="{BB962C8B-B14F-4D97-AF65-F5344CB8AC3E}">
-        <p14:creationId xmlns:p14="http://schemas.microsoft.com/office/powerpoint/2010/main" val="1192359211"/>
-      </p:ext>
-    </p:extLst>
-  </p:cSld>
-  <p:clrMapOvr>
-    <a:overrideClrMapping bg1="lt1" tx1="dk1" bg2="lt2" tx2="dk2" accent1="accent1" accent2="accent2" accent3="accent3" accent4="accent4" accent5="accent5" accent6="accent6" hlink="hlink" folHlink="folHlink"/>
-  </p:clrMapOvr>
-</p:sld>
-</file>
-
-<file path=ppt/slides/slide7.xml><?xml version="1.0" encoding="utf-8"?>
-<p:sld xmlns:a="http://schemas.openxmlformats.org/drawingml/2006/main" xmlns:r="http://schemas.openxmlformats.org/officeDocument/2006/relationships" xmlns:p="http://schemas.openxmlformats.org/presentationml/2006/main">
-  <p:cSld>
-    <p:spTree>
-      <p:nvGrpSpPr>
-        <p:cNvPr id="1" name=""/>
-        <p:cNvGrpSpPr/>
-        <p:nvPr/>
-      </p:nvGrpSpPr>
-      <p:grpSpPr>
-        <a:xfrm>
-          <a:off x="0" y="0"/>
-          <a:ext cx="0" cy="0"/>
-          <a:chOff x="0" y="0"/>
-          <a:chExt cx="0" cy="0"/>
-        </a:xfrm>
-      </p:grpSpPr>
-      <p:sp>
-        <p:nvSpPr>
-          <p:cNvPr id="2" name="Title 1">
-            <a:extLst>
-              <a:ext uri="{FF2B5EF4-FFF2-40B4-BE49-F238E27FC236}">
-                <a16:creationId xmlns:a16="http://schemas.microsoft.com/office/drawing/2014/main" id="{3E2EEC42-F583-B90A-843E-CB1CB5F3D56B}"/>
-              </a:ext>
-            </a:extLst>
-          </p:cNvPr>
-          <p:cNvSpPr>
-            <a:spLocks noGrp="1"/>
-          </p:cNvSpPr>
-          <p:nvPr>
-            <p:ph type="title"/>
-          </p:nvPr>
-        </p:nvSpPr>
-        <p:spPr/>
-        <p:txBody>
-          <a:bodyPr/>
-          <a:lstStyle/>
-          <a:p>
-            <a:pPr algn="ctr"/>
-            <a:r>
-              <a:rPr lang="en-US" dirty="0">
-                <a:latin typeface="Algerian" panose="04020705040A02060702" pitchFamily="82" charset="0"/>
-              </a:rPr>
-              <a:t>Home foreclosure by origination date</a:t>
-            </a:r>
-          </a:p>
-        </p:txBody>
-      </p:sp>
-      <p:pic>
-        <p:nvPicPr>
-          <p:cNvPr id="4" name="Content Placeholder 3">
-            <a:extLst>
-              <a:ext uri="{FF2B5EF4-FFF2-40B4-BE49-F238E27FC236}">
-                <a16:creationId xmlns:a16="http://schemas.microsoft.com/office/drawing/2014/main" id="{502D02CF-0825-D091-2209-E23C7DAF3BB6}"/>
-              </a:ext>
-            </a:extLst>
-          </p:cNvPr>
-          <p:cNvPicPr>
-            <a:picLocks noGrp="1" noChangeAspect="1"/>
-          </p:cNvPicPr>
-          <p:nvPr>
-            <p:ph idx="1"/>
-          </p:nvPr>
-        </p:nvPicPr>
-        <p:blipFill>
-          <a:blip r:embed="rId2"/>
-          <a:stretch>
-            <a:fillRect/>
-          </a:stretch>
-        </p:blipFill>
-        <p:spPr>
-          <a:xfrm>
-            <a:off x="2304848" y="2108200"/>
-            <a:ext cx="7642630" cy="3760788"/>
-          </a:xfrm>
-          <a:prstGeom prst="rect">
-            <a:avLst/>
-          </a:prstGeom>
-        </p:spPr>
-      </p:pic>
-    </p:spTree>
-    <p:extLst>
-      <p:ext uri="{BB962C8B-B14F-4D97-AF65-F5344CB8AC3E}">
-        <p14:creationId xmlns:p14="http://schemas.microsoft.com/office/powerpoint/2010/main" val="2288558213"/>
-      </p:ext>
-    </p:extLst>
-  </p:cSld>
-  <p:clrMapOvr>
-    <a:masterClrMapping/>
-  </p:clrMapOvr>
-</p:sld>
-</file>
-
-<file path=ppt/slides/slide8.xml><?xml version="1.0" encoding="utf-8"?>
-<p:sld xmlns:a="http://schemas.openxmlformats.org/drawingml/2006/main" xmlns:r="http://schemas.openxmlformats.org/officeDocument/2006/relationships" xmlns:p="http://schemas.openxmlformats.org/presentationml/2006/main">
-  <p:cSld>
-    <p:spTree>
-      <p:nvGrpSpPr>
-        <p:cNvPr id="1" name=""/>
-        <p:cNvGrpSpPr/>
-        <p:nvPr/>
-      </p:nvGrpSpPr>
-      <p:grpSpPr>
-        <a:xfrm>
-          <a:off x="0" y="0"/>
-          <a:ext cx="0" cy="0"/>
-          <a:chOff x="0" y="0"/>
-          <a:chExt cx="0" cy="0"/>
-        </a:xfrm>
-      </p:grpSpPr>
-      <p:sp>
-        <p:nvSpPr>
-          <p:cNvPr id="2" name="Title 1">
-            <a:extLst>
-              <a:ext uri="{FF2B5EF4-FFF2-40B4-BE49-F238E27FC236}">
-                <a16:creationId xmlns:a16="http://schemas.microsoft.com/office/drawing/2014/main" id="{B7F791BF-C4CF-AE92-A989-FC556D22807D}"/>
-              </a:ext>
-            </a:extLst>
-          </p:cNvPr>
-          <p:cNvSpPr>
-            <a:spLocks noGrp="1"/>
-          </p:cNvSpPr>
-          <p:nvPr>
-            <p:ph type="title"/>
-          </p:nvPr>
-        </p:nvSpPr>
-        <p:spPr/>
-        <p:txBody>
-          <a:bodyPr>
-            <a:normAutofit/>
-          </a:bodyPr>
-          <a:lstStyle/>
-          <a:p>
-            <a:pPr algn="ctr"/>
-            <a:r>
-              <a:rPr lang="en-US" sz="3600" dirty="0">
-                <a:latin typeface="Algerian" panose="04020705040A02060702" pitchFamily="82" charset="0"/>
-              </a:rPr>
-              <a:t>Machine Learning Classifier</a:t>
-            </a:r>
-          </a:p>
-        </p:txBody>
-      </p:sp>
-      <p:sp>
-        <p:nvSpPr>
-          <p:cNvPr id="3" name="Content Placeholder 2">
-            <a:extLst>
-              <a:ext uri="{FF2B5EF4-FFF2-40B4-BE49-F238E27FC236}">
-                <a16:creationId xmlns:a16="http://schemas.microsoft.com/office/drawing/2014/main" id="{B6EC4549-5C8B-599F-ADC7-DA2DCE75ED4D}"/>
-              </a:ext>
-            </a:extLst>
-          </p:cNvPr>
-          <p:cNvSpPr>
-            <a:spLocks noGrp="1"/>
-          </p:cNvSpPr>
-          <p:nvPr>
-            <p:ph idx="1"/>
-          </p:nvPr>
-        </p:nvSpPr>
-        <p:spPr/>
-        <p:txBody>
-          <a:bodyPr/>
-          <a:lstStyle/>
-          <a:p>
-            <a:pPr marL="342900" marR="0" lvl="0" indent="-342900">
-              <a:lnSpc>
-                <a:spcPct val="107000"/>
-              </a:lnSpc>
-              <a:spcBef>
-                <a:spcPts val="200"/>
-              </a:spcBef>
-              <a:spcAft>
-                <a:spcPts val="0"/>
-              </a:spcAft>
-              <a:buFont typeface="Symbol" panose="05050102010706020507" pitchFamily="18" charset="2"/>
-              <a:buChar char=""/>
-            </a:pPr>
-            <a:r>
-              <a:rPr lang="en-US" sz="1800" b="1" kern="100" dirty="0">
-                <a:solidFill>
-                  <a:srgbClr val="1F3763"/>
-                </a:solidFill>
-                <a:effectLst/>
-                <a:latin typeface="Calibri Light" panose="020F0302020204030204" pitchFamily="34" charset="0"/>
-                <a:ea typeface="Times New Roman" panose="02020603050405020304" pitchFamily="18" charset="0"/>
-                <a:cs typeface="Times New Roman" panose="02020603050405020304" pitchFamily="18" charset="0"/>
-              </a:rPr>
-              <a:t>SMOTE (Synthetic Minority Over-sampling Technique) from imbalanced-learn library</a:t>
-            </a:r>
-          </a:p>
-          <a:p>
-            <a:pPr marL="342900" marR="0" lvl="0" indent="-342900">
-              <a:lnSpc>
-                <a:spcPct val="107000"/>
-              </a:lnSpc>
-              <a:spcBef>
-                <a:spcPts val="200"/>
-              </a:spcBef>
-              <a:spcAft>
-                <a:spcPts val="0"/>
-              </a:spcAft>
-              <a:buFont typeface="Symbol" panose="05050102010706020507" pitchFamily="18" charset="2"/>
-              <a:buChar char=""/>
-            </a:pPr>
-            <a:r>
-              <a:rPr lang="en-US" sz="1800" b="1" kern="100" dirty="0">
-                <a:solidFill>
-                  <a:srgbClr val="1F3763"/>
-                </a:solidFill>
-                <a:effectLst/>
-                <a:latin typeface="Calibri Light" panose="020F0302020204030204" pitchFamily="34" charset="0"/>
-                <a:ea typeface="Times New Roman" panose="02020603050405020304" pitchFamily="18" charset="0"/>
-                <a:cs typeface="Times New Roman" panose="02020603050405020304" pitchFamily="18" charset="0"/>
-              </a:rPr>
-              <a:t>Manually dividing the dataset to balance each set</a:t>
-            </a:r>
-          </a:p>
-          <a:p>
-            <a:pPr marL="342900" marR="0" lvl="0" indent="-342900">
-              <a:lnSpc>
-                <a:spcPct val="107000"/>
-              </a:lnSpc>
-              <a:spcBef>
-                <a:spcPts val="200"/>
-              </a:spcBef>
-              <a:spcAft>
-                <a:spcPts val="0"/>
-              </a:spcAft>
-              <a:buFont typeface="Symbol" panose="05050102010706020507" pitchFamily="18" charset="2"/>
-              <a:buChar char=""/>
-            </a:pPr>
-            <a:endParaRPr lang="en-US" sz="1800" b="1" kern="100" dirty="0">
-              <a:solidFill>
-                <a:srgbClr val="1F3763"/>
-              </a:solidFill>
-              <a:latin typeface="Calibri Light" panose="020F0302020204030204" pitchFamily="34" charset="0"/>
-              <a:ea typeface="Times New Roman" panose="02020603050405020304" pitchFamily="18" charset="0"/>
-              <a:cs typeface="Times New Roman" panose="02020603050405020304" pitchFamily="18" charset="0"/>
-            </a:endParaRPr>
-          </a:p>
-          <a:p>
-            <a:pPr marL="342900" marR="0" lvl="0" indent="-342900">
-              <a:lnSpc>
-                <a:spcPct val="107000"/>
-              </a:lnSpc>
-              <a:spcBef>
-                <a:spcPts val="200"/>
-              </a:spcBef>
-              <a:spcAft>
-                <a:spcPts val="0"/>
-              </a:spcAft>
-              <a:buFont typeface="Symbol" panose="05050102010706020507" pitchFamily="18" charset="2"/>
-              <a:buChar char=""/>
-            </a:pPr>
-            <a:endParaRPr lang="en-US" sz="1800" b="1" kern="100" dirty="0">
-              <a:solidFill>
-                <a:srgbClr val="1F3763"/>
-              </a:solidFill>
-              <a:effectLst/>
-              <a:latin typeface="Calibri Light" panose="020F0302020204030204" pitchFamily="34" charset="0"/>
-              <a:ea typeface="Times New Roman" panose="02020603050405020304" pitchFamily="18" charset="0"/>
-              <a:cs typeface="Times New Roman" panose="02020603050405020304" pitchFamily="18" charset="0"/>
-            </a:endParaRPr>
-          </a:p>
-          <a:p>
-            <a:endParaRPr lang="en-US" dirty="0"/>
-          </a:p>
-        </p:txBody>
-      </p:sp>
-      <p:pic>
-        <p:nvPicPr>
-          <p:cNvPr id="4" name="Picture 3">
-            <a:extLst>
-              <a:ext uri="{FF2B5EF4-FFF2-40B4-BE49-F238E27FC236}">
-                <a16:creationId xmlns:a16="http://schemas.microsoft.com/office/drawing/2014/main" id="{CB76A6A8-E7DF-D442-CFB6-923EBA5DF073}"/>
-              </a:ext>
-            </a:extLst>
-          </p:cNvPr>
-          <p:cNvPicPr>
-            <a:picLocks noChangeAspect="1"/>
-          </p:cNvPicPr>
-          <p:nvPr/>
-        </p:nvPicPr>
-        <p:blipFill>
-          <a:blip r:embed="rId2"/>
-          <a:stretch>
-            <a:fillRect/>
-          </a:stretch>
-        </p:blipFill>
-        <p:spPr>
-          <a:xfrm>
-            <a:off x="6096000" y="2719537"/>
-            <a:ext cx="5943600" cy="3649980"/>
-          </a:xfrm>
-          <a:prstGeom prst="rect">
-            <a:avLst/>
-          </a:prstGeom>
-        </p:spPr>
-      </p:pic>
-      <p:pic>
-        <p:nvPicPr>
-          <p:cNvPr id="5" name="Picture 4">
-            <a:extLst>
-              <a:ext uri="{FF2B5EF4-FFF2-40B4-BE49-F238E27FC236}">
-                <a16:creationId xmlns:a16="http://schemas.microsoft.com/office/drawing/2014/main" id="{896FDA93-89FF-CC5B-CE1A-2D0D7F9DA677}"/>
-              </a:ext>
-            </a:extLst>
-          </p:cNvPr>
-          <p:cNvPicPr>
-            <a:picLocks noChangeAspect="1"/>
-          </p:cNvPicPr>
-          <p:nvPr/>
-        </p:nvPicPr>
-        <p:blipFill>
-          <a:blip r:embed="rId3"/>
-          <a:stretch>
-            <a:fillRect/>
-          </a:stretch>
-        </p:blipFill>
-        <p:spPr>
-          <a:xfrm>
-            <a:off x="1497281" y="4658792"/>
-            <a:ext cx="5943600" cy="865505"/>
-          </a:xfrm>
-          <a:prstGeom prst="rect">
-            <a:avLst/>
-          </a:prstGeom>
-        </p:spPr>
-      </p:pic>
-    </p:spTree>
-    <p:extLst>
-      <p:ext uri="{BB962C8B-B14F-4D97-AF65-F5344CB8AC3E}">
-        <p14:creationId xmlns:p14="http://schemas.microsoft.com/office/powerpoint/2010/main" val="1674964746"/>
-      </p:ext>
-    </p:extLst>
-  </p:cSld>
-  <p:clrMapOvr>
-    <a:masterClrMapping/>
-  </p:clrMapOvr>
-</p:sld>
-</file>
-
-<file path=ppt/slides/slide9.xml><?xml version="1.0" encoding="utf-8"?>
-<p:sld xmlns:a="http://schemas.openxmlformats.org/drawingml/2006/main" xmlns:r="http://schemas.openxmlformats.org/officeDocument/2006/relationships" xmlns:p="http://schemas.openxmlformats.org/presentationml/2006/main">
-  <p:cSld>
-    <p:spTree>
-      <p:nvGrpSpPr>
-        <p:cNvPr id="1" name=""/>
-        <p:cNvGrpSpPr/>
-        <p:nvPr/>
-      </p:nvGrpSpPr>
-      <p:grpSpPr>
-        <a:xfrm>
-          <a:off x="0" y="0"/>
-          <a:ext cx="0" cy="0"/>
-          <a:chOff x="0" y="0"/>
-          <a:chExt cx="0" cy="0"/>
-        </a:xfrm>
-      </p:grpSpPr>
-      <p:sp>
-        <p:nvSpPr>
-          <p:cNvPr id="2" name="Title 1">
-            <a:extLst>
-              <a:ext uri="{FF2B5EF4-FFF2-40B4-BE49-F238E27FC236}">
-                <a16:creationId xmlns:a16="http://schemas.microsoft.com/office/drawing/2014/main" id="{6706EB1C-1963-5F9C-4E57-E44A76B76763}"/>
-              </a:ext>
-            </a:extLst>
-          </p:cNvPr>
-          <p:cNvSpPr>
-            <a:spLocks noGrp="1"/>
-          </p:cNvSpPr>
-          <p:nvPr>
-            <p:ph type="title"/>
-          </p:nvPr>
-        </p:nvSpPr>
-        <p:spPr/>
-        <p:txBody>
-          <a:bodyPr/>
-          <a:lstStyle/>
-          <a:p>
-            <a:pPr algn="ctr"/>
-            <a:r>
-              <a:rPr lang="en-US" dirty="0">
-                <a:latin typeface="Algerian" panose="04020705040A02060702" pitchFamily="82" charset="0"/>
-              </a:rPr>
-              <a:t>Prediction Results</a:t>
-            </a:r>
-          </a:p>
-        </p:txBody>
-      </p:sp>
-      <p:pic>
-        <p:nvPicPr>
-          <p:cNvPr id="4" name="Content Placeholder 3">
-            <a:extLst>
-              <a:ext uri="{FF2B5EF4-FFF2-40B4-BE49-F238E27FC236}">
-                <a16:creationId xmlns:a16="http://schemas.microsoft.com/office/drawing/2014/main" id="{30C21B06-44FD-D20E-8207-0560C8AAAADF}"/>
-              </a:ext>
-            </a:extLst>
-          </p:cNvPr>
-          <p:cNvPicPr>
-            <a:picLocks noGrp="1" noChangeAspect="1"/>
-          </p:cNvPicPr>
-          <p:nvPr>
-            <p:ph idx="1"/>
-          </p:nvPr>
-        </p:nvPicPr>
-        <p:blipFill>
-          <a:blip r:embed="rId2"/>
-          <a:stretch>
-            <a:fillRect/>
-          </a:stretch>
-        </p:blipFill>
-        <p:spPr>
-          <a:xfrm>
-            <a:off x="2301341" y="2407223"/>
-            <a:ext cx="7649643" cy="3162741"/>
-          </a:xfrm>
-          <a:prstGeom prst="rect">
-            <a:avLst/>
-          </a:prstGeom>
-        </p:spPr>
-      </p:pic>
-    </p:spTree>
-    <p:extLst>
-      <p:ext uri="{BB962C8B-B14F-4D97-AF65-F5344CB8AC3E}">
-        <p14:creationId xmlns:p14="http://schemas.microsoft.com/office/powerpoint/2010/main" val="1801147301"/>
       </p:ext>
     </p:extLst>
   </p:cSld>
@@ -8183,35 +8047,6 @@
 </file>
 
 <file path=customXml/item1.xml><?xml version="1.0" encoding="utf-8"?>
-<p:properties xmlns:p="http://schemas.microsoft.com/office/2006/metadata/properties" xmlns:xsi="http://www.w3.org/2001/XMLSchema-instance" xmlns:pc="http://schemas.microsoft.com/office/infopath/2007/PartnerControls">
-  <documentManagement>
-    <_ip_UnifiedCompliancePolicyUIAction xmlns="http://schemas.microsoft.com/sharepoint/v3" xsi:nil="true"/>
-    <Image xmlns="71af3243-3dd4-4a8d-8c0d-dd76da1f02a5">
-      <Url xsi:nil="true"/>
-      <Description xsi:nil="true"/>
-    </Image>
-    <Status xmlns="71af3243-3dd4-4a8d-8c0d-dd76da1f02a5">Not started</Status>
-    <Background xmlns="71af3243-3dd4-4a8d-8c0d-dd76da1f02a5">false</Background>
-    <_ip_UnifiedCompliancePolicyProperties xmlns="http://schemas.microsoft.com/sharepoint/v3" xsi:nil="true"/>
-    <ImageTagsTaxHTField xmlns="71af3243-3dd4-4a8d-8c0d-dd76da1f02a5">
-      <Terms xmlns="http://schemas.microsoft.com/office/infopath/2007/PartnerControls"/>
-    </ImageTagsTaxHTField>
-    <TaxCatchAll xmlns="230e9df3-be65-4c73-a93b-d1236ebd677e" xsi:nil="true"/>
-    <MediaServiceKeyPoints xmlns="71af3243-3dd4-4a8d-8c0d-dd76da1f02a5" xsi:nil="true"/>
-  </documentManagement>
-</p:properties>
-</file>
-
-<file path=customXml/item2.xml><?xml version="1.0" encoding="utf-8"?>
-<?mso-contentType ?>
-<FormTemplates xmlns="http://schemas.microsoft.com/sharepoint/v3/contenttype/forms">
-  <Display>DocumentLibraryForm</Display>
-  <Edit>DocumentLibraryForm</Edit>
-  <New>DocumentLibraryForm</New>
-</FormTemplates>
-</file>
-
-<file path=customXml/item3.xml><?xml version="1.0" encoding="utf-8"?>
 <ct:contentTypeSchema xmlns:ct="http://schemas.microsoft.com/office/2006/metadata/contentType" xmlns:ma="http://schemas.microsoft.com/office/2006/metadata/properties/metaAttributes" ct:_="" ma:_="" ma:contentTypeName="Document" ma:contentTypeID="0x01010079F111ED35F8CC479449609E8A0923A6" ma:contentTypeVersion="27" ma:contentTypeDescription="Create a new document." ma:contentTypeScope="" ma:versionID="c6f9a84f66a9c8b9a21755b9ffafb945">
   <xsd:schema xmlns:xsd="http://www.w3.org/2001/XMLSchema" xmlns:xs="http://www.w3.org/2001/XMLSchema" xmlns:p="http://schemas.microsoft.com/office/2006/metadata/properties" xmlns:ns1="http://schemas.microsoft.com/sharepoint/v3" xmlns:ns2="71af3243-3dd4-4a8d-8c0d-dd76da1f02a5" xmlns:ns3="16c05727-aa75-4e4a-9b5f-8a80a1165891" xmlns:ns4="230e9df3-be65-4c73-a93b-d1236ebd677e" targetNamespace="http://schemas.microsoft.com/office/2006/metadata/properties" ma:root="true" ma:fieldsID="27df39e3e7036dff54f89ddd5805ce72" ns1:_="" ns2:_="" ns3:_="" ns4:_="">
     <xsd:import namespace="http://schemas.microsoft.com/sharepoint/v3"/>
@@ -8517,27 +8352,36 @@
 </ct:contentTypeSchema>
 </file>
 
-<file path=customXml/itemProps1.xml><?xml version="1.0" encoding="utf-8"?>
-<ds:datastoreItem xmlns:ds="http://schemas.openxmlformats.org/officeDocument/2006/customXml" ds:itemID="{6F4F4D41-822D-40F2-A7AC-E4E6CB36CA7A}">
-  <ds:schemaRefs>
-    <ds:schemaRef ds:uri="http://schemas.microsoft.com/office/2006/metadata/properties"/>
-    <ds:schemaRef ds:uri="http://schemas.microsoft.com/office/infopath/2007/PartnerControls"/>
-    <ds:schemaRef ds:uri="http://schemas.microsoft.com/sharepoint/v3"/>
-    <ds:schemaRef ds:uri="71af3243-3dd4-4a8d-8c0d-dd76da1f02a5"/>
-    <ds:schemaRef ds:uri="230e9df3-be65-4c73-a93b-d1236ebd677e"/>
-  </ds:schemaRefs>
-</ds:datastoreItem>
+<file path=customXml/item2.xml><?xml version="1.0" encoding="utf-8"?>
+<?mso-contentType ?>
+<FormTemplates xmlns="http://schemas.microsoft.com/sharepoint/v3/contenttype/forms">
+  <Display>DocumentLibraryForm</Display>
+  <Edit>DocumentLibraryForm</Edit>
+  <New>DocumentLibraryForm</New>
+</FormTemplates>
 </file>
 
-<file path=customXml/itemProps2.xml><?xml version="1.0" encoding="utf-8"?>
-<ds:datastoreItem xmlns:ds="http://schemas.openxmlformats.org/officeDocument/2006/customXml" ds:itemID="{19DAD249-BF80-48EF-9AFB-36A11BCDC2CE}">
-  <ds:schemaRefs>
-    <ds:schemaRef ds:uri="http://schemas.microsoft.com/sharepoint/v3/contenttype/forms"/>
-  </ds:schemaRefs>
-</ds:datastoreItem>
+<file path=customXml/item3.xml><?xml version="1.0" encoding="utf-8"?>
+<p:properties xmlns:p="http://schemas.microsoft.com/office/2006/metadata/properties" xmlns:xsi="http://www.w3.org/2001/XMLSchema-instance" xmlns:pc="http://schemas.microsoft.com/office/infopath/2007/PartnerControls">
+  <documentManagement>
+    <_ip_UnifiedCompliancePolicyUIAction xmlns="http://schemas.microsoft.com/sharepoint/v3" xsi:nil="true"/>
+    <Image xmlns="71af3243-3dd4-4a8d-8c0d-dd76da1f02a5">
+      <Url xsi:nil="true"/>
+      <Description xsi:nil="true"/>
+    </Image>
+    <Status xmlns="71af3243-3dd4-4a8d-8c0d-dd76da1f02a5">Not started</Status>
+    <Background xmlns="71af3243-3dd4-4a8d-8c0d-dd76da1f02a5">false</Background>
+    <_ip_UnifiedCompliancePolicyProperties xmlns="http://schemas.microsoft.com/sharepoint/v3" xsi:nil="true"/>
+    <ImageTagsTaxHTField xmlns="71af3243-3dd4-4a8d-8c0d-dd76da1f02a5">
+      <Terms xmlns="http://schemas.microsoft.com/office/infopath/2007/PartnerControls"/>
+    </ImageTagsTaxHTField>
+    <TaxCatchAll xmlns="230e9df3-be65-4c73-a93b-d1236ebd677e" xsi:nil="true"/>
+    <MediaServiceKeyPoints xmlns="71af3243-3dd4-4a8d-8c0d-dd76da1f02a5" xsi:nil="true"/>
+  </documentManagement>
+</p:properties>
 </file>
 
-<file path=customXml/itemProps3.xml><?xml version="1.0" encoding="utf-8"?>
+<file path=customXml/itemProps1.xml><?xml version="1.0" encoding="utf-8"?>
 <ds:datastoreItem xmlns:ds="http://schemas.openxmlformats.org/officeDocument/2006/customXml" ds:itemID="{C5A59D56-2157-4202-9D02-F44E447A241D}">
   <ds:schemaRefs>
     <ds:schemaRef ds:uri="http://schemas.microsoft.com/office/2006/metadata/contentType"/>
@@ -8556,4 +8400,24 @@
     <ds:schemaRef ds:uri="http://schemas.microsoft.com/internal/obd"/>
   </ds:schemaRefs>
 </ds:datastoreItem>
+</file>
+
+<file path=customXml/itemProps2.xml><?xml version="1.0" encoding="utf-8"?>
+<ds:datastoreItem xmlns:ds="http://schemas.openxmlformats.org/officeDocument/2006/customXml" ds:itemID="{19DAD249-BF80-48EF-9AFB-36A11BCDC2CE}">
+  <ds:schemaRefs>
+    <ds:schemaRef ds:uri="http://schemas.microsoft.com/sharepoint/v3/contenttype/forms"/>
+  </ds:schemaRefs>
+</ds:datastoreItem>
+</file>
+
+<file path=customXml/itemProps3.xml><?xml version="1.0" encoding="utf-8"?>
+<ds:datastoreItem xmlns:ds="http://schemas.openxmlformats.org/officeDocument/2006/customXml" ds:itemID="{6F4F4D41-822D-40F2-A7AC-E4E6CB36CA7A}">
+  <ds:schemaRefs>
+    <ds:schemaRef ds:uri="http://schemas.microsoft.com/office/2006/metadata/properties"/>
+    <ds:schemaRef ds:uri="http://schemas.microsoft.com/office/infopath/2007/PartnerControls"/>
+    <ds:schemaRef ds:uri="http://schemas.microsoft.com/sharepoint/v3"/>
+    <ds:schemaRef ds:uri="71af3243-3dd4-4a8d-8c0d-dd76da1f02a5"/>
+    <ds:schemaRef ds:uri="230e9df3-be65-4c73-a93b-d1236ebd677e"/>
+  </ds:schemaRefs>
+</ds:datastoreItem>
 </file>